--- a/웹관련/리엑트 라우터 기초.pptx
+++ b/웹관련/리엑트 라우터 기초.pptx
@@ -4,11 +4,20 @@
   <p:sldMasterIdLst>
     <p:sldMasterId id="2147483648" r:id="rId1"/>
   </p:sldMasterIdLst>
+  <p:notesMasterIdLst>
+    <p:notesMasterId r:id="rId12"/>
+  </p:notesMasterIdLst>
   <p:sldIdLst>
     <p:sldId id="256" r:id="rId2"/>
     <p:sldId id="257" r:id="rId3"/>
     <p:sldId id="258" r:id="rId4"/>
-    <p:sldId id="259" r:id="rId5"/>
+    <p:sldId id="262" r:id="rId5"/>
+    <p:sldId id="263" r:id="rId6"/>
+    <p:sldId id="264" r:id="rId7"/>
+    <p:sldId id="261" r:id="rId8"/>
+    <p:sldId id="266" r:id="rId9"/>
+    <p:sldId id="265" r:id="rId10"/>
+    <p:sldId id="260" r:id="rId11"/>
   </p:sldIdLst>
   <p:sldSz cx="12192000" cy="6858000"/>
   <p:notesSz cx="6858000" cy="9144000"/>
@@ -108,6 +117,1729 @@
     </a:lvl9pPr>
   </p:defaultTextStyle>
 </p:presentation>
+</file>
+
+<file path=ppt/notesMasters/notesMaster1.xml><?xml version="1.0" encoding="utf-8"?>
+<p:notesMaster xmlns:a="http://schemas.openxmlformats.org/drawingml/2006/main" xmlns:r="http://schemas.openxmlformats.org/officeDocument/2006/relationships" xmlns:p="http://schemas.openxmlformats.org/presentationml/2006/main">
+  <p:cSld>
+    <p:bg>
+      <p:bgRef idx="1001">
+        <a:schemeClr val="bg1"/>
+      </p:bgRef>
+    </p:bg>
+    <p:spTree>
+      <p:nvGrpSpPr>
+        <p:cNvPr id="1" name=""/>
+        <p:cNvGrpSpPr/>
+        <p:nvPr/>
+      </p:nvGrpSpPr>
+      <p:grpSpPr>
+        <a:xfrm>
+          <a:off x="0" y="0"/>
+          <a:ext cx="0" cy="0"/>
+          <a:chOff x="0" y="0"/>
+          <a:chExt cx="0" cy="0"/>
+        </a:xfrm>
+      </p:grpSpPr>
+      <p:sp>
+        <p:nvSpPr>
+          <p:cNvPr id="2" name="머리글 개체 틀 1"/>
+          <p:cNvSpPr>
+            <a:spLocks noGrp="1"/>
+          </p:cNvSpPr>
+          <p:nvPr>
+            <p:ph type="hdr" sz="quarter"/>
+          </p:nvPr>
+        </p:nvSpPr>
+        <p:spPr>
+          <a:xfrm>
+            <a:off x="0" y="0"/>
+            <a:ext cx="2971800" cy="458788"/>
+          </a:xfrm>
+          <a:prstGeom prst="rect">
+            <a:avLst/>
+          </a:prstGeom>
+        </p:spPr>
+        <p:txBody>
+          <a:bodyPr vert="horz" lIns="91440" tIns="45720" rIns="91440" bIns="45720" rtlCol="0"/>
+          <a:lstStyle>
+            <a:lvl1pPr algn="l">
+              <a:defRPr sz="1200"/>
+            </a:lvl1pPr>
+          </a:lstStyle>
+          <a:p>
+            <a:endParaRPr kumimoji="1" lang="ko-Kore-KR" altLang="en-US"/>
+          </a:p>
+        </p:txBody>
+      </p:sp>
+      <p:sp>
+        <p:nvSpPr>
+          <p:cNvPr id="3" name="날짜 개체 틀 2"/>
+          <p:cNvSpPr>
+            <a:spLocks noGrp="1"/>
+          </p:cNvSpPr>
+          <p:nvPr>
+            <p:ph type="dt" idx="1"/>
+          </p:nvPr>
+        </p:nvSpPr>
+        <p:spPr>
+          <a:xfrm>
+            <a:off x="3884613" y="0"/>
+            <a:ext cx="2971800" cy="458788"/>
+          </a:xfrm>
+          <a:prstGeom prst="rect">
+            <a:avLst/>
+          </a:prstGeom>
+        </p:spPr>
+        <p:txBody>
+          <a:bodyPr vert="horz" lIns="91440" tIns="45720" rIns="91440" bIns="45720" rtlCol="0"/>
+          <a:lstStyle>
+            <a:lvl1pPr algn="r">
+              <a:defRPr sz="1200"/>
+            </a:lvl1pPr>
+          </a:lstStyle>
+          <a:p>
+            <a:fld id="{F9A59370-5F5B-7C42-8DDB-FAF9BDF0E4C0}" type="datetimeFigureOut">
+              <a:rPr kumimoji="1" lang="ko-Kore-KR" altLang="en-US" smtClean="0"/>
+              <a:t>2024. 1. 1.</a:t>
+            </a:fld>
+            <a:endParaRPr kumimoji="1" lang="ko-Kore-KR" altLang="en-US"/>
+          </a:p>
+        </p:txBody>
+      </p:sp>
+      <p:sp>
+        <p:nvSpPr>
+          <p:cNvPr id="4" name="슬라이드 이미지 개체 틀 3"/>
+          <p:cNvSpPr>
+            <a:spLocks noGrp="1" noRot="1" noChangeAspect="1"/>
+          </p:cNvSpPr>
+          <p:nvPr>
+            <p:ph type="sldImg" idx="2"/>
+          </p:nvPr>
+        </p:nvSpPr>
+        <p:spPr>
+          <a:xfrm>
+            <a:off x="685800" y="1143000"/>
+            <a:ext cx="5486400" cy="3086100"/>
+          </a:xfrm>
+          <a:prstGeom prst="rect">
+            <a:avLst/>
+          </a:prstGeom>
+          <a:noFill/>
+          <a:ln w="12700">
+            <a:solidFill>
+              <a:prstClr val="black"/>
+            </a:solidFill>
+          </a:ln>
+        </p:spPr>
+        <p:txBody>
+          <a:bodyPr vert="horz" lIns="91440" tIns="45720" rIns="91440" bIns="45720" rtlCol="0" anchor="ctr"/>
+          <a:lstStyle/>
+          <a:p>
+            <a:endParaRPr lang="ko-Kore-KR" altLang="en-US"/>
+          </a:p>
+        </p:txBody>
+      </p:sp>
+      <p:sp>
+        <p:nvSpPr>
+          <p:cNvPr id="5" name="슬라이드 노트 개체 틀 4"/>
+          <p:cNvSpPr>
+            <a:spLocks noGrp="1"/>
+          </p:cNvSpPr>
+          <p:nvPr>
+            <p:ph type="body" sz="quarter" idx="3"/>
+          </p:nvPr>
+        </p:nvSpPr>
+        <p:spPr>
+          <a:xfrm>
+            <a:off x="685800" y="4400550"/>
+            <a:ext cx="5486400" cy="3600450"/>
+          </a:xfrm>
+          <a:prstGeom prst="rect">
+            <a:avLst/>
+          </a:prstGeom>
+        </p:spPr>
+        <p:txBody>
+          <a:bodyPr vert="horz" lIns="91440" tIns="45720" rIns="91440" bIns="45720" rtlCol="0"/>
+          <a:lstStyle/>
+          <a:p>
+            <a:pPr lvl="0"/>
+            <a:r>
+              <a:rPr kumimoji="1" lang="ko-KR" altLang="en-US"/>
+              <a:t>마스터 텍스트 스타일을 편집하려면 클릭</a:t>
+            </a:r>
+          </a:p>
+          <a:p>
+            <a:pPr lvl="1"/>
+            <a:r>
+              <a:rPr kumimoji="1" lang="ko-KR" altLang="en-US"/>
+              <a:t>두 번째 수준</a:t>
+            </a:r>
+          </a:p>
+          <a:p>
+            <a:pPr lvl="2"/>
+            <a:r>
+              <a:rPr kumimoji="1" lang="ko-KR" altLang="en-US"/>
+              <a:t>세 번째 수준</a:t>
+            </a:r>
+          </a:p>
+          <a:p>
+            <a:pPr lvl="3"/>
+            <a:r>
+              <a:rPr kumimoji="1" lang="ko-KR" altLang="en-US"/>
+              <a:t>네 번째 수준</a:t>
+            </a:r>
+          </a:p>
+          <a:p>
+            <a:pPr lvl="4"/>
+            <a:r>
+              <a:rPr kumimoji="1" lang="ko-KR" altLang="en-US"/>
+              <a:t>다섯 번째 수준</a:t>
+            </a:r>
+            <a:endParaRPr kumimoji="1" lang="ko-Kore-KR" altLang="en-US"/>
+          </a:p>
+        </p:txBody>
+      </p:sp>
+      <p:sp>
+        <p:nvSpPr>
+          <p:cNvPr id="6" name="바닥글 개체 틀 5"/>
+          <p:cNvSpPr>
+            <a:spLocks noGrp="1"/>
+          </p:cNvSpPr>
+          <p:nvPr>
+            <p:ph type="ftr" sz="quarter" idx="4"/>
+          </p:nvPr>
+        </p:nvSpPr>
+        <p:spPr>
+          <a:xfrm>
+            <a:off x="0" y="8685213"/>
+            <a:ext cx="2971800" cy="458787"/>
+          </a:xfrm>
+          <a:prstGeom prst="rect">
+            <a:avLst/>
+          </a:prstGeom>
+        </p:spPr>
+        <p:txBody>
+          <a:bodyPr vert="horz" lIns="91440" tIns="45720" rIns="91440" bIns="45720" rtlCol="0" anchor="b"/>
+          <a:lstStyle>
+            <a:lvl1pPr algn="l">
+              <a:defRPr sz="1200"/>
+            </a:lvl1pPr>
+          </a:lstStyle>
+          <a:p>
+            <a:endParaRPr kumimoji="1" lang="ko-Kore-KR" altLang="en-US"/>
+          </a:p>
+        </p:txBody>
+      </p:sp>
+      <p:sp>
+        <p:nvSpPr>
+          <p:cNvPr id="7" name="슬라이드 번호 개체 틀 6"/>
+          <p:cNvSpPr>
+            <a:spLocks noGrp="1"/>
+          </p:cNvSpPr>
+          <p:nvPr>
+            <p:ph type="sldNum" sz="quarter" idx="5"/>
+          </p:nvPr>
+        </p:nvSpPr>
+        <p:spPr>
+          <a:xfrm>
+            <a:off x="3884613" y="8685213"/>
+            <a:ext cx="2971800" cy="458787"/>
+          </a:xfrm>
+          <a:prstGeom prst="rect">
+            <a:avLst/>
+          </a:prstGeom>
+        </p:spPr>
+        <p:txBody>
+          <a:bodyPr vert="horz" lIns="91440" tIns="45720" rIns="91440" bIns="45720" rtlCol="0" anchor="b"/>
+          <a:lstStyle>
+            <a:lvl1pPr algn="r">
+              <a:defRPr sz="1200"/>
+            </a:lvl1pPr>
+          </a:lstStyle>
+          <a:p>
+            <a:fld id="{055CBCC3-3EF0-2545-92A0-1A509DDBEB90}" type="slidenum">
+              <a:rPr kumimoji="1" lang="ko-Kore-KR" altLang="en-US" smtClean="0"/>
+              <a:t>‹#›</a:t>
+            </a:fld>
+            <a:endParaRPr kumimoji="1" lang="ko-Kore-KR" altLang="en-US"/>
+          </a:p>
+        </p:txBody>
+      </p:sp>
+    </p:spTree>
+    <p:extLst>
+      <p:ext uri="{BB962C8B-B14F-4D97-AF65-F5344CB8AC3E}">
+        <p14:creationId xmlns:p14="http://schemas.microsoft.com/office/powerpoint/2010/main" val="63404410"/>
+      </p:ext>
+    </p:extLst>
+  </p:cSld>
+  <p:clrMap bg1="lt1" tx1="dk1" bg2="lt2" tx2="dk2" accent1="accent1" accent2="accent2" accent3="accent3" accent4="accent4" accent5="accent5" accent6="accent6" hlink="hlink" folHlink="folHlink"/>
+  <p:notesStyle>
+    <a:lvl1pPr marL="0" algn="l" defTabSz="914400" rtl="0" eaLnBrk="1" latinLnBrk="0" hangingPunct="1">
+      <a:defRPr sz="1200" kern="1200">
+        <a:solidFill>
+          <a:schemeClr val="tx1"/>
+        </a:solidFill>
+        <a:latin typeface="+mn-lt"/>
+        <a:ea typeface="+mn-ea"/>
+        <a:cs typeface="+mn-cs"/>
+      </a:defRPr>
+    </a:lvl1pPr>
+    <a:lvl2pPr marL="457200" algn="l" defTabSz="914400" rtl="0" eaLnBrk="1" latinLnBrk="0" hangingPunct="1">
+      <a:defRPr sz="1200" kern="1200">
+        <a:solidFill>
+          <a:schemeClr val="tx1"/>
+        </a:solidFill>
+        <a:latin typeface="+mn-lt"/>
+        <a:ea typeface="+mn-ea"/>
+        <a:cs typeface="+mn-cs"/>
+      </a:defRPr>
+    </a:lvl2pPr>
+    <a:lvl3pPr marL="914400" algn="l" defTabSz="914400" rtl="0" eaLnBrk="1" latinLnBrk="0" hangingPunct="1">
+      <a:defRPr sz="1200" kern="1200">
+        <a:solidFill>
+          <a:schemeClr val="tx1"/>
+        </a:solidFill>
+        <a:latin typeface="+mn-lt"/>
+        <a:ea typeface="+mn-ea"/>
+        <a:cs typeface="+mn-cs"/>
+      </a:defRPr>
+    </a:lvl3pPr>
+    <a:lvl4pPr marL="1371600" algn="l" defTabSz="914400" rtl="0" eaLnBrk="1" latinLnBrk="0" hangingPunct="1">
+      <a:defRPr sz="1200" kern="1200">
+        <a:solidFill>
+          <a:schemeClr val="tx1"/>
+        </a:solidFill>
+        <a:latin typeface="+mn-lt"/>
+        <a:ea typeface="+mn-ea"/>
+        <a:cs typeface="+mn-cs"/>
+      </a:defRPr>
+    </a:lvl4pPr>
+    <a:lvl5pPr marL="1828800" algn="l" defTabSz="914400" rtl="0" eaLnBrk="1" latinLnBrk="0" hangingPunct="1">
+      <a:defRPr sz="1200" kern="1200">
+        <a:solidFill>
+          <a:schemeClr val="tx1"/>
+        </a:solidFill>
+        <a:latin typeface="+mn-lt"/>
+        <a:ea typeface="+mn-ea"/>
+        <a:cs typeface="+mn-cs"/>
+      </a:defRPr>
+    </a:lvl5pPr>
+    <a:lvl6pPr marL="2286000" algn="l" defTabSz="914400" rtl="0" eaLnBrk="1" latinLnBrk="0" hangingPunct="1">
+      <a:defRPr sz="1200" kern="1200">
+        <a:solidFill>
+          <a:schemeClr val="tx1"/>
+        </a:solidFill>
+        <a:latin typeface="+mn-lt"/>
+        <a:ea typeface="+mn-ea"/>
+        <a:cs typeface="+mn-cs"/>
+      </a:defRPr>
+    </a:lvl6pPr>
+    <a:lvl7pPr marL="2743200" algn="l" defTabSz="914400" rtl="0" eaLnBrk="1" latinLnBrk="0" hangingPunct="1">
+      <a:defRPr sz="1200" kern="1200">
+        <a:solidFill>
+          <a:schemeClr val="tx1"/>
+        </a:solidFill>
+        <a:latin typeface="+mn-lt"/>
+        <a:ea typeface="+mn-ea"/>
+        <a:cs typeface="+mn-cs"/>
+      </a:defRPr>
+    </a:lvl7pPr>
+    <a:lvl8pPr marL="3200400" algn="l" defTabSz="914400" rtl="0" eaLnBrk="1" latinLnBrk="0" hangingPunct="1">
+      <a:defRPr sz="1200" kern="1200">
+        <a:solidFill>
+          <a:schemeClr val="tx1"/>
+        </a:solidFill>
+        <a:latin typeface="+mn-lt"/>
+        <a:ea typeface="+mn-ea"/>
+        <a:cs typeface="+mn-cs"/>
+      </a:defRPr>
+    </a:lvl8pPr>
+    <a:lvl9pPr marL="3657600" algn="l" defTabSz="914400" rtl="0" eaLnBrk="1" latinLnBrk="0" hangingPunct="1">
+      <a:defRPr sz="1200" kern="1200">
+        <a:solidFill>
+          <a:schemeClr val="tx1"/>
+        </a:solidFill>
+        <a:latin typeface="+mn-lt"/>
+        <a:ea typeface="+mn-ea"/>
+        <a:cs typeface="+mn-cs"/>
+      </a:defRPr>
+    </a:lvl9pPr>
+  </p:notesStyle>
+</p:notesMaster>
+</file>
+
+<file path=ppt/notesSlides/notesSlide1.xml><?xml version="1.0" encoding="utf-8"?>
+<p:notes xmlns:a="http://schemas.openxmlformats.org/drawingml/2006/main" xmlns:r="http://schemas.openxmlformats.org/officeDocument/2006/relationships" xmlns:p="http://schemas.openxmlformats.org/presentationml/2006/main">
+  <p:cSld>
+    <p:spTree>
+      <p:nvGrpSpPr>
+        <p:cNvPr id="1" name=""/>
+        <p:cNvGrpSpPr/>
+        <p:nvPr/>
+      </p:nvGrpSpPr>
+      <p:grpSpPr>
+        <a:xfrm>
+          <a:off x="0" y="0"/>
+          <a:ext cx="0" cy="0"/>
+          <a:chOff x="0" y="0"/>
+          <a:chExt cx="0" cy="0"/>
+        </a:xfrm>
+      </p:grpSpPr>
+      <p:sp>
+        <p:nvSpPr>
+          <p:cNvPr id="2" name="슬라이드 이미지 개체 틀 1"/>
+          <p:cNvSpPr>
+            <a:spLocks noGrp="1" noRot="1" noChangeAspect="1"/>
+          </p:cNvSpPr>
+          <p:nvPr>
+            <p:ph type="sldImg"/>
+          </p:nvPr>
+        </p:nvSpPr>
+        <p:spPr/>
+      </p:sp>
+      <p:sp>
+        <p:nvSpPr>
+          <p:cNvPr id="3" name="슬라이드 노트 개체 틀 2"/>
+          <p:cNvSpPr>
+            <a:spLocks noGrp="1"/>
+          </p:cNvSpPr>
+          <p:nvPr>
+            <p:ph type="body" idx="1"/>
+          </p:nvPr>
+        </p:nvSpPr>
+        <p:spPr/>
+        <p:txBody>
+          <a:bodyPr/>
+          <a:lstStyle/>
+          <a:p>
+            <a:endParaRPr kumimoji="1" lang="ko-Kore-KR" altLang="en-US" dirty="0"/>
+          </a:p>
+        </p:txBody>
+      </p:sp>
+      <p:sp>
+        <p:nvSpPr>
+          <p:cNvPr id="4" name="슬라이드 번호 개체 틀 3"/>
+          <p:cNvSpPr>
+            <a:spLocks noGrp="1"/>
+          </p:cNvSpPr>
+          <p:nvPr>
+            <p:ph type="sldNum" sz="quarter" idx="5"/>
+          </p:nvPr>
+        </p:nvSpPr>
+        <p:spPr/>
+        <p:txBody>
+          <a:bodyPr/>
+          <a:lstStyle/>
+          <a:p>
+            <a:fld id="{055CBCC3-3EF0-2545-92A0-1A509DDBEB90}" type="slidenum">
+              <a:rPr kumimoji="1" lang="ko-Kore-KR" altLang="en-US" smtClean="0"/>
+              <a:t>2</a:t>
+            </a:fld>
+            <a:endParaRPr kumimoji="1" lang="ko-Kore-KR" altLang="en-US"/>
+          </a:p>
+        </p:txBody>
+      </p:sp>
+    </p:spTree>
+    <p:extLst>
+      <p:ext uri="{BB962C8B-B14F-4D97-AF65-F5344CB8AC3E}">
+        <p14:creationId xmlns:p14="http://schemas.microsoft.com/office/powerpoint/2010/main" val="3672493882"/>
+      </p:ext>
+    </p:extLst>
+  </p:cSld>
+  <p:clrMapOvr>
+    <a:masterClrMapping/>
+  </p:clrMapOvr>
+</p:notes>
+</file>
+
+<file path=ppt/notesSlides/notesSlide2.xml><?xml version="1.0" encoding="utf-8"?>
+<p:notes xmlns:a="http://schemas.openxmlformats.org/drawingml/2006/main" xmlns:r="http://schemas.openxmlformats.org/officeDocument/2006/relationships" xmlns:p="http://schemas.openxmlformats.org/presentationml/2006/main">
+  <p:cSld>
+    <p:spTree>
+      <p:nvGrpSpPr>
+        <p:cNvPr id="1" name=""/>
+        <p:cNvGrpSpPr/>
+        <p:nvPr/>
+      </p:nvGrpSpPr>
+      <p:grpSpPr>
+        <a:xfrm>
+          <a:off x="0" y="0"/>
+          <a:ext cx="0" cy="0"/>
+          <a:chOff x="0" y="0"/>
+          <a:chExt cx="0" cy="0"/>
+        </a:xfrm>
+      </p:grpSpPr>
+      <p:sp>
+        <p:nvSpPr>
+          <p:cNvPr id="2" name="슬라이드 이미지 개체 틀 1"/>
+          <p:cNvSpPr>
+            <a:spLocks noGrp="1" noRot="1" noChangeAspect="1"/>
+          </p:cNvSpPr>
+          <p:nvPr>
+            <p:ph type="sldImg"/>
+          </p:nvPr>
+        </p:nvSpPr>
+        <p:spPr/>
+      </p:sp>
+      <p:sp>
+        <p:nvSpPr>
+          <p:cNvPr id="3" name="슬라이드 노트 개체 틀 2"/>
+          <p:cNvSpPr>
+            <a:spLocks noGrp="1"/>
+          </p:cNvSpPr>
+          <p:nvPr>
+            <p:ph type="body" idx="1"/>
+          </p:nvPr>
+        </p:nvSpPr>
+        <p:spPr/>
+        <p:txBody>
+          <a:bodyPr/>
+          <a:lstStyle/>
+          <a:p>
+            <a:endParaRPr kumimoji="1" lang="ko-Kore-KR" altLang="en-US" dirty="0"/>
+          </a:p>
+        </p:txBody>
+      </p:sp>
+      <p:sp>
+        <p:nvSpPr>
+          <p:cNvPr id="4" name="슬라이드 번호 개체 틀 3"/>
+          <p:cNvSpPr>
+            <a:spLocks noGrp="1"/>
+          </p:cNvSpPr>
+          <p:nvPr>
+            <p:ph type="sldNum" sz="quarter" idx="5"/>
+          </p:nvPr>
+        </p:nvSpPr>
+        <p:spPr/>
+        <p:txBody>
+          <a:bodyPr/>
+          <a:lstStyle/>
+          <a:p>
+            <a:fld id="{055CBCC3-3EF0-2545-92A0-1A509DDBEB90}" type="slidenum">
+              <a:rPr kumimoji="1" lang="ko-Kore-KR" altLang="en-US" smtClean="0"/>
+              <a:t>3</a:t>
+            </a:fld>
+            <a:endParaRPr kumimoji="1" lang="ko-Kore-KR" altLang="en-US"/>
+          </a:p>
+        </p:txBody>
+      </p:sp>
+    </p:spTree>
+    <p:extLst>
+      <p:ext uri="{BB962C8B-B14F-4D97-AF65-F5344CB8AC3E}">
+        <p14:creationId xmlns:p14="http://schemas.microsoft.com/office/powerpoint/2010/main" val="354444712"/>
+      </p:ext>
+    </p:extLst>
+  </p:cSld>
+  <p:clrMapOvr>
+    <a:masterClrMapping/>
+  </p:clrMapOvr>
+</p:notes>
+</file>
+
+<file path=ppt/notesSlides/notesSlide3.xml><?xml version="1.0" encoding="utf-8"?>
+<p:notes xmlns:a="http://schemas.openxmlformats.org/drawingml/2006/main" xmlns:r="http://schemas.openxmlformats.org/officeDocument/2006/relationships" xmlns:p="http://schemas.openxmlformats.org/presentationml/2006/main">
+  <p:cSld>
+    <p:spTree>
+      <p:nvGrpSpPr>
+        <p:cNvPr id="1" name=""/>
+        <p:cNvGrpSpPr/>
+        <p:nvPr/>
+      </p:nvGrpSpPr>
+      <p:grpSpPr>
+        <a:xfrm>
+          <a:off x="0" y="0"/>
+          <a:ext cx="0" cy="0"/>
+          <a:chOff x="0" y="0"/>
+          <a:chExt cx="0" cy="0"/>
+        </a:xfrm>
+      </p:grpSpPr>
+      <p:sp>
+        <p:nvSpPr>
+          <p:cNvPr id="2" name="슬라이드 이미지 개체 틀 1"/>
+          <p:cNvSpPr>
+            <a:spLocks noGrp="1" noRot="1" noChangeAspect="1"/>
+          </p:cNvSpPr>
+          <p:nvPr>
+            <p:ph type="sldImg"/>
+          </p:nvPr>
+        </p:nvSpPr>
+        <p:spPr/>
+      </p:sp>
+      <p:sp>
+        <p:nvSpPr>
+          <p:cNvPr id="3" name="슬라이드 노트 개체 틀 2"/>
+          <p:cNvSpPr>
+            <a:spLocks noGrp="1"/>
+          </p:cNvSpPr>
+          <p:nvPr>
+            <p:ph type="body" idx="1"/>
+          </p:nvPr>
+        </p:nvSpPr>
+        <p:spPr/>
+        <p:txBody>
+          <a:bodyPr/>
+          <a:lstStyle/>
+          <a:p>
+            <a:pPr marL="0" marR="0" lvl="0" indent="0" algn="l" defTabSz="914400" rtl="0" eaLnBrk="1" fontAlgn="auto" latinLnBrk="0" hangingPunct="1">
+              <a:lnSpc>
+                <a:spcPct val="100000"/>
+              </a:lnSpc>
+              <a:spcBef>
+                <a:spcPts val="0"/>
+              </a:spcBef>
+              <a:spcAft>
+                <a:spcPts val="0"/>
+              </a:spcAft>
+              <a:buClrTx/>
+              <a:buSzTx/>
+              <a:buFontTx/>
+              <a:buNone/>
+              <a:tabLst/>
+              <a:defRPr/>
+            </a:pPr>
+            <a:r>
+              <a:rPr lang="en" altLang="ko-Kore-KR" b="0" dirty="0">
+                <a:solidFill>
+                  <a:srgbClr val="C586C0"/>
+                </a:solidFill>
+                <a:effectLst/>
+                <a:latin typeface="Menlo" panose="020B0609030804020204" pitchFamily="49" charset="0"/>
+              </a:rPr>
+              <a:t>import</a:t>
+            </a:r>
+            <a:r>
+              <a:rPr lang="en" altLang="ko-Kore-KR" b="0" dirty="0">
+                <a:solidFill>
+                  <a:srgbClr val="FFFFFF"/>
+                </a:solidFill>
+                <a:effectLst/>
+                <a:latin typeface="Menlo" panose="020B0609030804020204" pitchFamily="49" charset="0"/>
+              </a:rPr>
+              <a:t> { </a:t>
+            </a:r>
+            <a:r>
+              <a:rPr lang="en" altLang="ko-Kore-KR" b="0" dirty="0" err="1">
+                <a:solidFill>
+                  <a:srgbClr val="9CDCFE"/>
+                </a:solidFill>
+                <a:effectLst/>
+                <a:latin typeface="Menlo" panose="020B0609030804020204" pitchFamily="49" charset="0"/>
+              </a:rPr>
+              <a:t>BrowserRouter</a:t>
+            </a:r>
+            <a:r>
+              <a:rPr lang="en" altLang="ko-Kore-KR" b="0" dirty="0">
+                <a:solidFill>
+                  <a:srgbClr val="FFFFFF"/>
+                </a:solidFill>
+                <a:effectLst/>
+                <a:latin typeface="Menlo" panose="020B0609030804020204" pitchFamily="49" charset="0"/>
+              </a:rPr>
+              <a:t> </a:t>
+            </a:r>
+            <a:r>
+              <a:rPr lang="en" altLang="ko-Kore-KR" b="0" dirty="0">
+                <a:solidFill>
+                  <a:srgbClr val="C586C0"/>
+                </a:solidFill>
+                <a:effectLst/>
+                <a:latin typeface="Menlo" panose="020B0609030804020204" pitchFamily="49" charset="0"/>
+              </a:rPr>
+              <a:t>as</a:t>
+            </a:r>
+            <a:r>
+              <a:rPr lang="en" altLang="ko-Kore-KR" b="0" dirty="0">
+                <a:solidFill>
+                  <a:srgbClr val="FFFFFF"/>
+                </a:solidFill>
+                <a:effectLst/>
+                <a:latin typeface="Menlo" panose="020B0609030804020204" pitchFamily="49" charset="0"/>
+              </a:rPr>
+              <a:t> </a:t>
+            </a:r>
+            <a:r>
+              <a:rPr lang="en" altLang="ko-Kore-KR" b="0" dirty="0">
+                <a:solidFill>
+                  <a:srgbClr val="9CDCFE"/>
+                </a:solidFill>
+                <a:effectLst/>
+                <a:latin typeface="Menlo" panose="020B0609030804020204" pitchFamily="49" charset="0"/>
+              </a:rPr>
+              <a:t>Router</a:t>
+            </a:r>
+            <a:r>
+              <a:rPr lang="en" altLang="ko-Kore-KR" b="0" dirty="0">
+                <a:solidFill>
+                  <a:srgbClr val="FFFFFF"/>
+                </a:solidFill>
+                <a:effectLst/>
+                <a:latin typeface="Menlo" panose="020B0609030804020204" pitchFamily="49" charset="0"/>
+              </a:rPr>
+              <a:t>, </a:t>
+            </a:r>
+            <a:r>
+              <a:rPr lang="en" altLang="ko-Kore-KR" b="0" dirty="0">
+                <a:solidFill>
+                  <a:srgbClr val="9CDCFE"/>
+                </a:solidFill>
+                <a:effectLst/>
+                <a:latin typeface="Menlo" panose="020B0609030804020204" pitchFamily="49" charset="0"/>
+              </a:rPr>
+              <a:t>Route</a:t>
+            </a:r>
+            <a:r>
+              <a:rPr lang="en" altLang="ko-Kore-KR" b="0" dirty="0">
+                <a:solidFill>
+                  <a:srgbClr val="FFFFFF"/>
+                </a:solidFill>
+                <a:effectLst/>
+                <a:latin typeface="Menlo" panose="020B0609030804020204" pitchFamily="49" charset="0"/>
+              </a:rPr>
+              <a:t>, </a:t>
+            </a:r>
+            <a:r>
+              <a:rPr lang="en" altLang="ko-Kore-KR" b="0" dirty="0">
+                <a:solidFill>
+                  <a:srgbClr val="9CDCFE"/>
+                </a:solidFill>
+                <a:effectLst/>
+                <a:latin typeface="Menlo" panose="020B0609030804020204" pitchFamily="49" charset="0"/>
+              </a:rPr>
+              <a:t>Routes</a:t>
+            </a:r>
+            <a:r>
+              <a:rPr lang="en" altLang="ko-Kore-KR" b="0" dirty="0">
+                <a:solidFill>
+                  <a:srgbClr val="FFFFFF"/>
+                </a:solidFill>
+                <a:effectLst/>
+                <a:latin typeface="Menlo" panose="020B0609030804020204" pitchFamily="49" charset="0"/>
+              </a:rPr>
+              <a:t> } </a:t>
+            </a:r>
+            <a:r>
+              <a:rPr lang="en" altLang="ko-Kore-KR" b="0" dirty="0">
+                <a:solidFill>
+                  <a:srgbClr val="C586C0"/>
+                </a:solidFill>
+                <a:effectLst/>
+                <a:latin typeface="Menlo" panose="020B0609030804020204" pitchFamily="49" charset="0"/>
+              </a:rPr>
+              <a:t>from</a:t>
+            </a:r>
+            <a:r>
+              <a:rPr lang="en" altLang="ko-Kore-KR" b="0" dirty="0">
+                <a:solidFill>
+                  <a:srgbClr val="FFFFFF"/>
+                </a:solidFill>
+                <a:effectLst/>
+                <a:latin typeface="Menlo" panose="020B0609030804020204" pitchFamily="49" charset="0"/>
+              </a:rPr>
+              <a:t> </a:t>
+            </a:r>
+            <a:r>
+              <a:rPr lang="en" altLang="ko-Kore-KR" b="0" dirty="0">
+                <a:solidFill>
+                  <a:srgbClr val="CE9178"/>
+                </a:solidFill>
+                <a:effectLst/>
+                <a:latin typeface="Menlo" panose="020B0609030804020204" pitchFamily="49" charset="0"/>
+              </a:rPr>
+              <a:t>"react-router-</a:t>
+            </a:r>
+            <a:r>
+              <a:rPr lang="en" altLang="ko-Kore-KR" b="0" dirty="0" err="1">
+                <a:solidFill>
+                  <a:srgbClr val="CE9178"/>
+                </a:solidFill>
+                <a:effectLst/>
+                <a:latin typeface="Menlo" panose="020B0609030804020204" pitchFamily="49" charset="0"/>
+              </a:rPr>
+              <a:t>dom</a:t>
+            </a:r>
+            <a:r>
+              <a:rPr lang="en" altLang="ko-Kore-KR" b="0" dirty="0">
+                <a:solidFill>
+                  <a:srgbClr val="CE9178"/>
+                </a:solidFill>
+                <a:effectLst/>
+                <a:latin typeface="Menlo" panose="020B0609030804020204" pitchFamily="49" charset="0"/>
+              </a:rPr>
+              <a:t>"</a:t>
+            </a:r>
+            <a:r>
+              <a:rPr lang="en" altLang="ko-Kore-KR" b="0" dirty="0">
+                <a:solidFill>
+                  <a:srgbClr val="FFFFFF"/>
+                </a:solidFill>
+                <a:effectLst/>
+                <a:latin typeface="Menlo" panose="020B0609030804020204" pitchFamily="49" charset="0"/>
+              </a:rPr>
+              <a:t>;</a:t>
+            </a:r>
+          </a:p>
+          <a:p>
+            <a:endParaRPr kumimoji="1" lang="ko-Kore-KR" altLang="en-US" dirty="0"/>
+          </a:p>
+        </p:txBody>
+      </p:sp>
+      <p:sp>
+        <p:nvSpPr>
+          <p:cNvPr id="4" name="슬라이드 번호 개체 틀 3"/>
+          <p:cNvSpPr>
+            <a:spLocks noGrp="1"/>
+          </p:cNvSpPr>
+          <p:nvPr>
+            <p:ph type="sldNum" sz="quarter" idx="5"/>
+          </p:nvPr>
+        </p:nvSpPr>
+        <p:spPr/>
+        <p:txBody>
+          <a:bodyPr/>
+          <a:lstStyle/>
+          <a:p>
+            <a:fld id="{055CBCC3-3EF0-2545-92A0-1A509DDBEB90}" type="slidenum">
+              <a:rPr kumimoji="1" lang="ko-Kore-KR" altLang="en-US" smtClean="0"/>
+              <a:t>4</a:t>
+            </a:fld>
+            <a:endParaRPr kumimoji="1" lang="ko-Kore-KR" altLang="en-US"/>
+          </a:p>
+        </p:txBody>
+      </p:sp>
+    </p:spTree>
+    <p:extLst>
+      <p:ext uri="{BB962C8B-B14F-4D97-AF65-F5344CB8AC3E}">
+        <p14:creationId xmlns:p14="http://schemas.microsoft.com/office/powerpoint/2010/main" val="437437781"/>
+      </p:ext>
+    </p:extLst>
+  </p:cSld>
+  <p:clrMapOvr>
+    <a:masterClrMapping/>
+  </p:clrMapOvr>
+</p:notes>
+</file>
+
+<file path=ppt/notesSlides/notesSlide4.xml><?xml version="1.0" encoding="utf-8"?>
+<p:notes xmlns:a="http://schemas.openxmlformats.org/drawingml/2006/main" xmlns:r="http://schemas.openxmlformats.org/officeDocument/2006/relationships" xmlns:p="http://schemas.openxmlformats.org/presentationml/2006/main">
+  <p:cSld>
+    <p:spTree>
+      <p:nvGrpSpPr>
+        <p:cNvPr id="1" name=""/>
+        <p:cNvGrpSpPr/>
+        <p:nvPr/>
+      </p:nvGrpSpPr>
+      <p:grpSpPr>
+        <a:xfrm>
+          <a:off x="0" y="0"/>
+          <a:ext cx="0" cy="0"/>
+          <a:chOff x="0" y="0"/>
+          <a:chExt cx="0" cy="0"/>
+        </a:xfrm>
+      </p:grpSpPr>
+      <p:sp>
+        <p:nvSpPr>
+          <p:cNvPr id="2" name="슬라이드 이미지 개체 틀 1"/>
+          <p:cNvSpPr>
+            <a:spLocks noGrp="1" noRot="1" noChangeAspect="1"/>
+          </p:cNvSpPr>
+          <p:nvPr>
+            <p:ph type="sldImg"/>
+          </p:nvPr>
+        </p:nvSpPr>
+        <p:spPr/>
+      </p:sp>
+      <p:sp>
+        <p:nvSpPr>
+          <p:cNvPr id="3" name="슬라이드 노트 개체 틀 2"/>
+          <p:cNvSpPr>
+            <a:spLocks noGrp="1"/>
+          </p:cNvSpPr>
+          <p:nvPr>
+            <p:ph type="body" idx="1"/>
+          </p:nvPr>
+        </p:nvSpPr>
+        <p:spPr/>
+        <p:txBody>
+          <a:bodyPr/>
+          <a:lstStyle/>
+          <a:p>
+            <a:pPr marL="0" marR="0" lvl="0" indent="0" algn="l" defTabSz="914400" rtl="0" eaLnBrk="1" fontAlgn="auto" latinLnBrk="0" hangingPunct="1">
+              <a:lnSpc>
+                <a:spcPct val="100000"/>
+              </a:lnSpc>
+              <a:spcBef>
+                <a:spcPts val="0"/>
+              </a:spcBef>
+              <a:spcAft>
+                <a:spcPts val="0"/>
+              </a:spcAft>
+              <a:buClrTx/>
+              <a:buSzTx/>
+              <a:buFontTx/>
+              <a:buNone/>
+              <a:tabLst/>
+              <a:defRPr/>
+            </a:pPr>
+            <a:r>
+              <a:rPr lang="en" altLang="ko-Kore-KR" b="0" dirty="0">
+                <a:solidFill>
+                  <a:srgbClr val="C586C0"/>
+                </a:solidFill>
+                <a:effectLst/>
+                <a:latin typeface="Menlo" panose="020B0609030804020204" pitchFamily="49" charset="0"/>
+              </a:rPr>
+              <a:t>import</a:t>
+            </a:r>
+            <a:r>
+              <a:rPr lang="en" altLang="ko-Kore-KR" b="0" dirty="0">
+                <a:solidFill>
+                  <a:srgbClr val="FFFFFF"/>
+                </a:solidFill>
+                <a:effectLst/>
+                <a:latin typeface="Menlo" panose="020B0609030804020204" pitchFamily="49" charset="0"/>
+              </a:rPr>
+              <a:t> { </a:t>
+            </a:r>
+            <a:r>
+              <a:rPr lang="en" altLang="ko-Kore-KR" b="0" dirty="0" err="1">
+                <a:solidFill>
+                  <a:srgbClr val="9CDCFE"/>
+                </a:solidFill>
+                <a:effectLst/>
+                <a:latin typeface="Menlo" panose="020B0609030804020204" pitchFamily="49" charset="0"/>
+              </a:rPr>
+              <a:t>BrowserRouter</a:t>
+            </a:r>
+            <a:r>
+              <a:rPr lang="en" altLang="ko-Kore-KR" b="0" dirty="0">
+                <a:solidFill>
+                  <a:srgbClr val="FFFFFF"/>
+                </a:solidFill>
+                <a:effectLst/>
+                <a:latin typeface="Menlo" panose="020B0609030804020204" pitchFamily="49" charset="0"/>
+              </a:rPr>
+              <a:t> </a:t>
+            </a:r>
+            <a:r>
+              <a:rPr lang="en" altLang="ko-Kore-KR" b="0" dirty="0">
+                <a:solidFill>
+                  <a:srgbClr val="C586C0"/>
+                </a:solidFill>
+                <a:effectLst/>
+                <a:latin typeface="Menlo" panose="020B0609030804020204" pitchFamily="49" charset="0"/>
+              </a:rPr>
+              <a:t>as</a:t>
+            </a:r>
+            <a:r>
+              <a:rPr lang="en" altLang="ko-Kore-KR" b="0" dirty="0">
+                <a:solidFill>
+                  <a:srgbClr val="FFFFFF"/>
+                </a:solidFill>
+                <a:effectLst/>
+                <a:latin typeface="Menlo" panose="020B0609030804020204" pitchFamily="49" charset="0"/>
+              </a:rPr>
+              <a:t> </a:t>
+            </a:r>
+            <a:r>
+              <a:rPr lang="en" altLang="ko-Kore-KR" b="0" dirty="0">
+                <a:solidFill>
+                  <a:srgbClr val="9CDCFE"/>
+                </a:solidFill>
+                <a:effectLst/>
+                <a:latin typeface="Menlo" panose="020B0609030804020204" pitchFamily="49" charset="0"/>
+              </a:rPr>
+              <a:t>Router</a:t>
+            </a:r>
+            <a:r>
+              <a:rPr lang="en" altLang="ko-Kore-KR" b="0" dirty="0">
+                <a:solidFill>
+                  <a:srgbClr val="FFFFFF"/>
+                </a:solidFill>
+                <a:effectLst/>
+                <a:latin typeface="Menlo" panose="020B0609030804020204" pitchFamily="49" charset="0"/>
+              </a:rPr>
+              <a:t>, </a:t>
+            </a:r>
+            <a:r>
+              <a:rPr lang="en" altLang="ko-Kore-KR" b="0" dirty="0">
+                <a:solidFill>
+                  <a:srgbClr val="9CDCFE"/>
+                </a:solidFill>
+                <a:effectLst/>
+                <a:latin typeface="Menlo" panose="020B0609030804020204" pitchFamily="49" charset="0"/>
+              </a:rPr>
+              <a:t>Route</a:t>
+            </a:r>
+            <a:r>
+              <a:rPr lang="en" altLang="ko-Kore-KR" b="0" dirty="0">
+                <a:solidFill>
+                  <a:srgbClr val="FFFFFF"/>
+                </a:solidFill>
+                <a:effectLst/>
+                <a:latin typeface="Menlo" panose="020B0609030804020204" pitchFamily="49" charset="0"/>
+              </a:rPr>
+              <a:t>, </a:t>
+            </a:r>
+            <a:r>
+              <a:rPr lang="en" altLang="ko-Kore-KR" b="0" dirty="0">
+                <a:solidFill>
+                  <a:srgbClr val="9CDCFE"/>
+                </a:solidFill>
+                <a:effectLst/>
+                <a:latin typeface="Menlo" panose="020B0609030804020204" pitchFamily="49" charset="0"/>
+              </a:rPr>
+              <a:t>Routes</a:t>
+            </a:r>
+            <a:r>
+              <a:rPr lang="en" altLang="ko-Kore-KR" b="0" dirty="0">
+                <a:solidFill>
+                  <a:srgbClr val="FFFFFF"/>
+                </a:solidFill>
+                <a:effectLst/>
+                <a:latin typeface="Menlo" panose="020B0609030804020204" pitchFamily="49" charset="0"/>
+              </a:rPr>
+              <a:t> } </a:t>
+            </a:r>
+            <a:r>
+              <a:rPr lang="en" altLang="ko-Kore-KR" b="0" dirty="0">
+                <a:solidFill>
+                  <a:srgbClr val="C586C0"/>
+                </a:solidFill>
+                <a:effectLst/>
+                <a:latin typeface="Menlo" panose="020B0609030804020204" pitchFamily="49" charset="0"/>
+              </a:rPr>
+              <a:t>from</a:t>
+            </a:r>
+            <a:r>
+              <a:rPr lang="en" altLang="ko-Kore-KR" b="0" dirty="0">
+                <a:solidFill>
+                  <a:srgbClr val="FFFFFF"/>
+                </a:solidFill>
+                <a:effectLst/>
+                <a:latin typeface="Menlo" panose="020B0609030804020204" pitchFamily="49" charset="0"/>
+              </a:rPr>
+              <a:t> </a:t>
+            </a:r>
+            <a:r>
+              <a:rPr lang="en" altLang="ko-Kore-KR" b="0" dirty="0">
+                <a:solidFill>
+                  <a:srgbClr val="CE9178"/>
+                </a:solidFill>
+                <a:effectLst/>
+                <a:latin typeface="Menlo" panose="020B0609030804020204" pitchFamily="49" charset="0"/>
+              </a:rPr>
+              <a:t>"react-router-</a:t>
+            </a:r>
+            <a:r>
+              <a:rPr lang="en" altLang="ko-Kore-KR" b="0" dirty="0" err="1">
+                <a:solidFill>
+                  <a:srgbClr val="CE9178"/>
+                </a:solidFill>
+                <a:effectLst/>
+                <a:latin typeface="Menlo" panose="020B0609030804020204" pitchFamily="49" charset="0"/>
+              </a:rPr>
+              <a:t>dom</a:t>
+            </a:r>
+            <a:r>
+              <a:rPr lang="en" altLang="ko-Kore-KR" b="0" dirty="0">
+                <a:solidFill>
+                  <a:srgbClr val="CE9178"/>
+                </a:solidFill>
+                <a:effectLst/>
+                <a:latin typeface="Menlo" panose="020B0609030804020204" pitchFamily="49" charset="0"/>
+              </a:rPr>
+              <a:t>"</a:t>
+            </a:r>
+            <a:r>
+              <a:rPr lang="en" altLang="ko-Kore-KR" b="0" dirty="0">
+                <a:solidFill>
+                  <a:srgbClr val="FFFFFF"/>
+                </a:solidFill>
+                <a:effectLst/>
+                <a:latin typeface="Menlo" panose="020B0609030804020204" pitchFamily="49" charset="0"/>
+              </a:rPr>
+              <a:t>;</a:t>
+            </a:r>
+          </a:p>
+          <a:p>
+            <a:endParaRPr kumimoji="1" lang="ko-Kore-KR" altLang="en-US" dirty="0"/>
+          </a:p>
+        </p:txBody>
+      </p:sp>
+      <p:sp>
+        <p:nvSpPr>
+          <p:cNvPr id="4" name="슬라이드 번호 개체 틀 3"/>
+          <p:cNvSpPr>
+            <a:spLocks noGrp="1"/>
+          </p:cNvSpPr>
+          <p:nvPr>
+            <p:ph type="sldNum" sz="quarter" idx="5"/>
+          </p:nvPr>
+        </p:nvSpPr>
+        <p:spPr/>
+        <p:txBody>
+          <a:bodyPr/>
+          <a:lstStyle/>
+          <a:p>
+            <a:fld id="{055CBCC3-3EF0-2545-92A0-1A509DDBEB90}" type="slidenum">
+              <a:rPr kumimoji="1" lang="ko-Kore-KR" altLang="en-US" smtClean="0"/>
+              <a:t>5</a:t>
+            </a:fld>
+            <a:endParaRPr kumimoji="1" lang="ko-Kore-KR" altLang="en-US"/>
+          </a:p>
+        </p:txBody>
+      </p:sp>
+    </p:spTree>
+    <p:extLst>
+      <p:ext uri="{BB962C8B-B14F-4D97-AF65-F5344CB8AC3E}">
+        <p14:creationId xmlns:p14="http://schemas.microsoft.com/office/powerpoint/2010/main" val="1346628077"/>
+      </p:ext>
+    </p:extLst>
+  </p:cSld>
+  <p:clrMapOvr>
+    <a:masterClrMapping/>
+  </p:clrMapOvr>
+</p:notes>
+</file>
+
+<file path=ppt/notesSlides/notesSlide5.xml><?xml version="1.0" encoding="utf-8"?>
+<p:notes xmlns:a="http://schemas.openxmlformats.org/drawingml/2006/main" xmlns:r="http://schemas.openxmlformats.org/officeDocument/2006/relationships" xmlns:p="http://schemas.openxmlformats.org/presentationml/2006/main">
+  <p:cSld>
+    <p:spTree>
+      <p:nvGrpSpPr>
+        <p:cNvPr id="1" name=""/>
+        <p:cNvGrpSpPr/>
+        <p:nvPr/>
+      </p:nvGrpSpPr>
+      <p:grpSpPr>
+        <a:xfrm>
+          <a:off x="0" y="0"/>
+          <a:ext cx="0" cy="0"/>
+          <a:chOff x="0" y="0"/>
+          <a:chExt cx="0" cy="0"/>
+        </a:xfrm>
+      </p:grpSpPr>
+      <p:sp>
+        <p:nvSpPr>
+          <p:cNvPr id="2" name="슬라이드 이미지 개체 틀 1"/>
+          <p:cNvSpPr>
+            <a:spLocks noGrp="1" noRot="1" noChangeAspect="1"/>
+          </p:cNvSpPr>
+          <p:nvPr>
+            <p:ph type="sldImg"/>
+          </p:nvPr>
+        </p:nvSpPr>
+        <p:spPr/>
+      </p:sp>
+      <p:sp>
+        <p:nvSpPr>
+          <p:cNvPr id="3" name="슬라이드 노트 개체 틀 2"/>
+          <p:cNvSpPr>
+            <a:spLocks noGrp="1"/>
+          </p:cNvSpPr>
+          <p:nvPr>
+            <p:ph type="body" idx="1"/>
+          </p:nvPr>
+        </p:nvSpPr>
+        <p:spPr/>
+        <p:txBody>
+          <a:bodyPr/>
+          <a:lstStyle/>
+          <a:p>
+            <a:pPr marL="0" marR="0" lvl="0" indent="0" algn="l" defTabSz="914400" rtl="0" eaLnBrk="1" fontAlgn="auto" latinLnBrk="0" hangingPunct="1">
+              <a:lnSpc>
+                <a:spcPct val="100000"/>
+              </a:lnSpc>
+              <a:spcBef>
+                <a:spcPts val="0"/>
+              </a:spcBef>
+              <a:spcAft>
+                <a:spcPts val="0"/>
+              </a:spcAft>
+              <a:buClrTx/>
+              <a:buSzTx/>
+              <a:buFontTx/>
+              <a:buNone/>
+              <a:tabLst/>
+              <a:defRPr/>
+            </a:pPr>
+            <a:r>
+              <a:rPr lang="en" altLang="ko-Kore-KR" b="0" dirty="0">
+                <a:solidFill>
+                  <a:srgbClr val="C586C0"/>
+                </a:solidFill>
+                <a:effectLst/>
+                <a:latin typeface="Menlo" panose="020B0609030804020204" pitchFamily="49" charset="0"/>
+              </a:rPr>
+              <a:t>import</a:t>
+            </a:r>
+            <a:r>
+              <a:rPr lang="en" altLang="ko-Kore-KR" b="0" dirty="0">
+                <a:solidFill>
+                  <a:srgbClr val="FFFFFF"/>
+                </a:solidFill>
+                <a:effectLst/>
+                <a:latin typeface="Menlo" panose="020B0609030804020204" pitchFamily="49" charset="0"/>
+              </a:rPr>
+              <a:t> { </a:t>
+            </a:r>
+            <a:r>
+              <a:rPr lang="en" altLang="ko-Kore-KR" b="0" dirty="0" err="1">
+                <a:solidFill>
+                  <a:srgbClr val="9CDCFE"/>
+                </a:solidFill>
+                <a:effectLst/>
+                <a:latin typeface="Menlo" panose="020B0609030804020204" pitchFamily="49" charset="0"/>
+              </a:rPr>
+              <a:t>BrowserRouter</a:t>
+            </a:r>
+            <a:r>
+              <a:rPr lang="en" altLang="ko-Kore-KR" b="0" dirty="0">
+                <a:solidFill>
+                  <a:srgbClr val="FFFFFF"/>
+                </a:solidFill>
+                <a:effectLst/>
+                <a:latin typeface="Menlo" panose="020B0609030804020204" pitchFamily="49" charset="0"/>
+              </a:rPr>
+              <a:t> </a:t>
+            </a:r>
+            <a:r>
+              <a:rPr lang="en" altLang="ko-Kore-KR" b="0" dirty="0">
+                <a:solidFill>
+                  <a:srgbClr val="C586C0"/>
+                </a:solidFill>
+                <a:effectLst/>
+                <a:latin typeface="Menlo" panose="020B0609030804020204" pitchFamily="49" charset="0"/>
+              </a:rPr>
+              <a:t>as</a:t>
+            </a:r>
+            <a:r>
+              <a:rPr lang="en" altLang="ko-Kore-KR" b="0" dirty="0">
+                <a:solidFill>
+                  <a:srgbClr val="FFFFFF"/>
+                </a:solidFill>
+                <a:effectLst/>
+                <a:latin typeface="Menlo" panose="020B0609030804020204" pitchFamily="49" charset="0"/>
+              </a:rPr>
+              <a:t> </a:t>
+            </a:r>
+            <a:r>
+              <a:rPr lang="en" altLang="ko-Kore-KR" b="0" dirty="0">
+                <a:solidFill>
+                  <a:srgbClr val="9CDCFE"/>
+                </a:solidFill>
+                <a:effectLst/>
+                <a:latin typeface="Menlo" panose="020B0609030804020204" pitchFamily="49" charset="0"/>
+              </a:rPr>
+              <a:t>Router</a:t>
+            </a:r>
+            <a:r>
+              <a:rPr lang="en" altLang="ko-Kore-KR" b="0" dirty="0">
+                <a:solidFill>
+                  <a:srgbClr val="FFFFFF"/>
+                </a:solidFill>
+                <a:effectLst/>
+                <a:latin typeface="Menlo" panose="020B0609030804020204" pitchFamily="49" charset="0"/>
+              </a:rPr>
+              <a:t>, </a:t>
+            </a:r>
+            <a:r>
+              <a:rPr lang="en" altLang="ko-Kore-KR" b="0" dirty="0">
+                <a:solidFill>
+                  <a:srgbClr val="9CDCFE"/>
+                </a:solidFill>
+                <a:effectLst/>
+                <a:latin typeface="Menlo" panose="020B0609030804020204" pitchFamily="49" charset="0"/>
+              </a:rPr>
+              <a:t>Route</a:t>
+            </a:r>
+            <a:r>
+              <a:rPr lang="en" altLang="ko-Kore-KR" b="0" dirty="0">
+                <a:solidFill>
+                  <a:srgbClr val="FFFFFF"/>
+                </a:solidFill>
+                <a:effectLst/>
+                <a:latin typeface="Menlo" panose="020B0609030804020204" pitchFamily="49" charset="0"/>
+              </a:rPr>
+              <a:t>, </a:t>
+            </a:r>
+            <a:r>
+              <a:rPr lang="en" altLang="ko-Kore-KR" b="0" dirty="0">
+                <a:solidFill>
+                  <a:srgbClr val="9CDCFE"/>
+                </a:solidFill>
+                <a:effectLst/>
+                <a:latin typeface="Menlo" panose="020B0609030804020204" pitchFamily="49" charset="0"/>
+              </a:rPr>
+              <a:t>Routes</a:t>
+            </a:r>
+            <a:r>
+              <a:rPr lang="en" altLang="ko-Kore-KR" b="0" dirty="0">
+                <a:solidFill>
+                  <a:srgbClr val="FFFFFF"/>
+                </a:solidFill>
+                <a:effectLst/>
+                <a:latin typeface="Menlo" panose="020B0609030804020204" pitchFamily="49" charset="0"/>
+              </a:rPr>
+              <a:t> } </a:t>
+            </a:r>
+            <a:r>
+              <a:rPr lang="en" altLang="ko-Kore-KR" b="0" dirty="0">
+                <a:solidFill>
+                  <a:srgbClr val="C586C0"/>
+                </a:solidFill>
+                <a:effectLst/>
+                <a:latin typeface="Menlo" panose="020B0609030804020204" pitchFamily="49" charset="0"/>
+              </a:rPr>
+              <a:t>from</a:t>
+            </a:r>
+            <a:r>
+              <a:rPr lang="en" altLang="ko-Kore-KR" b="0" dirty="0">
+                <a:solidFill>
+                  <a:srgbClr val="FFFFFF"/>
+                </a:solidFill>
+                <a:effectLst/>
+                <a:latin typeface="Menlo" panose="020B0609030804020204" pitchFamily="49" charset="0"/>
+              </a:rPr>
+              <a:t> </a:t>
+            </a:r>
+            <a:r>
+              <a:rPr lang="en" altLang="ko-Kore-KR" b="0" dirty="0">
+                <a:solidFill>
+                  <a:srgbClr val="CE9178"/>
+                </a:solidFill>
+                <a:effectLst/>
+                <a:latin typeface="Menlo" panose="020B0609030804020204" pitchFamily="49" charset="0"/>
+              </a:rPr>
+              <a:t>"react-router"</a:t>
+            </a:r>
+            <a:r>
+              <a:rPr lang="en" altLang="ko-Kore-KR" b="0" dirty="0">
+                <a:solidFill>
+                  <a:srgbClr val="FFFFFF"/>
+                </a:solidFill>
+                <a:effectLst/>
+                <a:latin typeface="Menlo" panose="020B0609030804020204" pitchFamily="49" charset="0"/>
+              </a:rPr>
+              <a:t>; </a:t>
+            </a:r>
+          </a:p>
+          <a:p>
+            <a:endParaRPr kumimoji="1" lang="ko-Kore-KR" altLang="en-US" dirty="0"/>
+          </a:p>
+        </p:txBody>
+      </p:sp>
+      <p:sp>
+        <p:nvSpPr>
+          <p:cNvPr id="4" name="슬라이드 번호 개체 틀 3"/>
+          <p:cNvSpPr>
+            <a:spLocks noGrp="1"/>
+          </p:cNvSpPr>
+          <p:nvPr>
+            <p:ph type="sldNum" sz="quarter" idx="5"/>
+          </p:nvPr>
+        </p:nvSpPr>
+        <p:spPr/>
+        <p:txBody>
+          <a:bodyPr/>
+          <a:lstStyle/>
+          <a:p>
+            <a:fld id="{055CBCC3-3EF0-2545-92A0-1A509DDBEB90}" type="slidenum">
+              <a:rPr kumimoji="1" lang="ko-Kore-KR" altLang="en-US" smtClean="0"/>
+              <a:t>6</a:t>
+            </a:fld>
+            <a:endParaRPr kumimoji="1" lang="ko-Kore-KR" altLang="en-US"/>
+          </a:p>
+        </p:txBody>
+      </p:sp>
+    </p:spTree>
+    <p:extLst>
+      <p:ext uri="{BB962C8B-B14F-4D97-AF65-F5344CB8AC3E}">
+        <p14:creationId xmlns:p14="http://schemas.microsoft.com/office/powerpoint/2010/main" val="761020835"/>
+      </p:ext>
+    </p:extLst>
+  </p:cSld>
+  <p:clrMapOvr>
+    <a:masterClrMapping/>
+  </p:clrMapOvr>
+</p:notes>
+</file>
+
+<file path=ppt/notesSlides/notesSlide6.xml><?xml version="1.0" encoding="utf-8"?>
+<p:notes xmlns:a="http://schemas.openxmlformats.org/drawingml/2006/main" xmlns:r="http://schemas.openxmlformats.org/officeDocument/2006/relationships" xmlns:p="http://schemas.openxmlformats.org/presentationml/2006/main">
+  <p:cSld>
+    <p:spTree>
+      <p:nvGrpSpPr>
+        <p:cNvPr id="1" name=""/>
+        <p:cNvGrpSpPr/>
+        <p:nvPr/>
+      </p:nvGrpSpPr>
+      <p:grpSpPr>
+        <a:xfrm>
+          <a:off x="0" y="0"/>
+          <a:ext cx="0" cy="0"/>
+          <a:chOff x="0" y="0"/>
+          <a:chExt cx="0" cy="0"/>
+        </a:xfrm>
+      </p:grpSpPr>
+      <p:sp>
+        <p:nvSpPr>
+          <p:cNvPr id="2" name="슬라이드 이미지 개체 틀 1"/>
+          <p:cNvSpPr>
+            <a:spLocks noGrp="1" noRot="1" noChangeAspect="1"/>
+          </p:cNvSpPr>
+          <p:nvPr>
+            <p:ph type="sldImg"/>
+          </p:nvPr>
+        </p:nvSpPr>
+        <p:spPr/>
+      </p:sp>
+      <p:sp>
+        <p:nvSpPr>
+          <p:cNvPr id="3" name="슬라이드 노트 개체 틀 2"/>
+          <p:cNvSpPr>
+            <a:spLocks noGrp="1"/>
+          </p:cNvSpPr>
+          <p:nvPr>
+            <p:ph type="body" idx="1"/>
+          </p:nvPr>
+        </p:nvSpPr>
+        <p:spPr/>
+        <p:txBody>
+          <a:bodyPr/>
+          <a:lstStyle/>
+          <a:p>
+            <a:r>
+              <a:rPr kumimoji="1" lang="en-US" altLang="ko-Kore-KR" dirty="0"/>
+              <a:t>/</a:t>
+            </a:r>
+            <a:r>
+              <a:rPr kumimoji="1" lang="ko-KR" altLang="en-US" dirty="0"/>
+              <a:t> 은 홈화면을 의미</a:t>
+            </a:r>
+            <a:r>
+              <a:rPr kumimoji="1" lang="en-US" altLang="ko-KR" dirty="0"/>
+              <a:t>.</a:t>
+            </a:r>
+            <a:endParaRPr kumimoji="1" lang="ko-Kore-KR" altLang="en-US" dirty="0"/>
+          </a:p>
+        </p:txBody>
+      </p:sp>
+      <p:sp>
+        <p:nvSpPr>
+          <p:cNvPr id="4" name="슬라이드 번호 개체 틀 3"/>
+          <p:cNvSpPr>
+            <a:spLocks noGrp="1"/>
+          </p:cNvSpPr>
+          <p:nvPr>
+            <p:ph type="sldNum" sz="quarter" idx="5"/>
+          </p:nvPr>
+        </p:nvSpPr>
+        <p:spPr/>
+        <p:txBody>
+          <a:bodyPr/>
+          <a:lstStyle/>
+          <a:p>
+            <a:fld id="{055CBCC3-3EF0-2545-92A0-1A509DDBEB90}" type="slidenum">
+              <a:rPr kumimoji="1" lang="ko-Kore-KR" altLang="en-US" smtClean="0"/>
+              <a:t>7</a:t>
+            </a:fld>
+            <a:endParaRPr kumimoji="1" lang="ko-Kore-KR" altLang="en-US"/>
+          </a:p>
+        </p:txBody>
+      </p:sp>
+    </p:spTree>
+    <p:extLst>
+      <p:ext uri="{BB962C8B-B14F-4D97-AF65-F5344CB8AC3E}">
+        <p14:creationId xmlns:p14="http://schemas.microsoft.com/office/powerpoint/2010/main" val="662816949"/>
+      </p:ext>
+    </p:extLst>
+  </p:cSld>
+  <p:clrMapOvr>
+    <a:masterClrMapping/>
+  </p:clrMapOvr>
+</p:notes>
+</file>
+
+<file path=ppt/notesSlides/notesSlide7.xml><?xml version="1.0" encoding="utf-8"?>
+<p:notes xmlns:a="http://schemas.openxmlformats.org/drawingml/2006/main" xmlns:r="http://schemas.openxmlformats.org/officeDocument/2006/relationships" xmlns:p="http://schemas.openxmlformats.org/presentationml/2006/main">
+  <p:cSld>
+    <p:spTree>
+      <p:nvGrpSpPr>
+        <p:cNvPr id="1" name=""/>
+        <p:cNvGrpSpPr/>
+        <p:nvPr/>
+      </p:nvGrpSpPr>
+      <p:grpSpPr>
+        <a:xfrm>
+          <a:off x="0" y="0"/>
+          <a:ext cx="0" cy="0"/>
+          <a:chOff x="0" y="0"/>
+          <a:chExt cx="0" cy="0"/>
+        </a:xfrm>
+      </p:grpSpPr>
+      <p:sp>
+        <p:nvSpPr>
+          <p:cNvPr id="2" name="슬라이드 이미지 개체 틀 1"/>
+          <p:cNvSpPr>
+            <a:spLocks noGrp="1" noRot="1" noChangeAspect="1"/>
+          </p:cNvSpPr>
+          <p:nvPr>
+            <p:ph type="sldImg"/>
+          </p:nvPr>
+        </p:nvSpPr>
+        <p:spPr/>
+      </p:sp>
+      <p:sp>
+        <p:nvSpPr>
+          <p:cNvPr id="3" name="슬라이드 노트 개체 틀 2"/>
+          <p:cNvSpPr>
+            <a:spLocks noGrp="1"/>
+          </p:cNvSpPr>
+          <p:nvPr>
+            <p:ph type="body" idx="1"/>
+          </p:nvPr>
+        </p:nvSpPr>
+        <p:spPr/>
+        <p:txBody>
+          <a:bodyPr/>
+          <a:lstStyle/>
+          <a:p>
+            <a:pPr marL="0" marR="0" lvl="0" indent="0" algn="l" defTabSz="914400" rtl="0" eaLnBrk="1" fontAlgn="auto" latinLnBrk="0" hangingPunct="1">
+              <a:lnSpc>
+                <a:spcPct val="100000"/>
+              </a:lnSpc>
+              <a:spcBef>
+                <a:spcPts val="0"/>
+              </a:spcBef>
+              <a:spcAft>
+                <a:spcPts val="0"/>
+              </a:spcAft>
+              <a:buClrTx/>
+              <a:buSzTx/>
+              <a:buFontTx/>
+              <a:buNone/>
+              <a:tabLst/>
+              <a:defRPr/>
+            </a:pPr>
+            <a:r>
+              <a:rPr kumimoji="1" lang="en-US" altLang="ko-Kore-KR" sz="1200" dirty="0"/>
+              <a:t>Path : </a:t>
+            </a:r>
+            <a:r>
+              <a:rPr kumimoji="1" lang="en-US" altLang="ko-Kore-KR" sz="1200" dirty="0" err="1"/>
+              <a:t>url</a:t>
+            </a:r>
+            <a:r>
+              <a:rPr kumimoji="1" lang="en-US" altLang="ko-Kore-KR" sz="1200" dirty="0"/>
+              <a:t> </a:t>
+            </a:r>
+            <a:r>
+              <a:rPr kumimoji="1" lang="ko-KR" altLang="en-US" sz="1200" dirty="0"/>
+              <a:t>주소 </a:t>
+            </a:r>
+            <a:br>
+              <a:rPr kumimoji="1" lang="en-US" altLang="ko-KR" dirty="0"/>
+            </a:br>
+            <a:br>
+              <a:rPr kumimoji="1" lang="en-US" altLang="ko-KR" dirty="0"/>
+            </a:br>
+            <a:r>
+              <a:rPr kumimoji="1" lang="ko-KR" altLang="en-US" sz="1200" dirty="0"/>
+              <a:t> </a:t>
+            </a:r>
+            <a:r>
+              <a:rPr kumimoji="1" lang="en-US" altLang="ko-KR" sz="1200" dirty="0"/>
+              <a:t>element : </a:t>
+            </a:r>
+            <a:r>
+              <a:rPr kumimoji="1" lang="ko-KR" altLang="en-US" sz="1200" dirty="0"/>
+              <a:t>어떤 </a:t>
+            </a:r>
+            <a:r>
+              <a:rPr kumimoji="1" lang="en-US" altLang="ko-KR" sz="1200" dirty="0"/>
+              <a:t>element</a:t>
+            </a:r>
+            <a:r>
+              <a:rPr kumimoji="1" lang="ko-KR" altLang="en-US" sz="1200" dirty="0" err="1"/>
+              <a:t>를</a:t>
+            </a:r>
+            <a:r>
+              <a:rPr kumimoji="1" lang="ko-KR" altLang="en-US" sz="1200" dirty="0"/>
+              <a:t> 로드 </a:t>
+            </a:r>
+            <a:r>
+              <a:rPr kumimoji="1" lang="ko-KR" altLang="en-US" sz="1200" dirty="0" err="1"/>
+              <a:t>할건지</a:t>
+            </a:r>
+            <a:r>
+              <a:rPr kumimoji="1" lang="en-US" altLang="ko-KR" sz="1200" dirty="0"/>
+              <a:t>.</a:t>
+            </a:r>
+            <a:br>
+              <a:rPr kumimoji="1" lang="en-US" altLang="ko-KR" sz="1200" dirty="0"/>
+            </a:br>
+            <a:br>
+              <a:rPr kumimoji="1" lang="en-US" altLang="ko-KR" sz="1200" dirty="0"/>
+            </a:br>
+            <a:r>
+              <a:rPr kumimoji="1" lang="en-US" altLang="ko-KR" sz="1200" dirty="0"/>
+              <a:t> Router, Routes</a:t>
+            </a:r>
+            <a:r>
+              <a:rPr kumimoji="1" lang="ko-KR" altLang="en-US" sz="1200" dirty="0"/>
+              <a:t> </a:t>
+            </a:r>
+            <a:r>
+              <a:rPr kumimoji="1" lang="en-US" altLang="ko-KR" sz="1200" dirty="0"/>
+              <a:t>Route </a:t>
+            </a:r>
+            <a:r>
+              <a:rPr kumimoji="1" lang="ko-KR" altLang="en-US" sz="1200" dirty="0"/>
+              <a:t>쓸 때 감싸줘야 함</a:t>
+            </a:r>
+            <a:r>
+              <a:rPr kumimoji="1" lang="en-US" altLang="ko-KR" sz="1200" dirty="0"/>
+              <a:t>.</a:t>
+            </a:r>
+            <a:endParaRPr kumimoji="1" lang="ko-Kore-KR" altLang="en-US" sz="1200" dirty="0"/>
+          </a:p>
+          <a:p>
+            <a:endParaRPr kumimoji="1" lang="ko-Kore-KR" altLang="en-US" dirty="0"/>
+          </a:p>
+        </p:txBody>
+      </p:sp>
+      <p:sp>
+        <p:nvSpPr>
+          <p:cNvPr id="4" name="슬라이드 번호 개체 틀 3"/>
+          <p:cNvSpPr>
+            <a:spLocks noGrp="1"/>
+          </p:cNvSpPr>
+          <p:nvPr>
+            <p:ph type="sldNum" sz="quarter" idx="5"/>
+          </p:nvPr>
+        </p:nvSpPr>
+        <p:spPr/>
+        <p:txBody>
+          <a:bodyPr/>
+          <a:lstStyle/>
+          <a:p>
+            <a:fld id="{055CBCC3-3EF0-2545-92A0-1A509DDBEB90}" type="slidenum">
+              <a:rPr kumimoji="1" lang="ko-Kore-KR" altLang="en-US" smtClean="0"/>
+              <a:t>8</a:t>
+            </a:fld>
+            <a:endParaRPr kumimoji="1" lang="ko-Kore-KR" altLang="en-US"/>
+          </a:p>
+        </p:txBody>
+      </p:sp>
+    </p:spTree>
+    <p:extLst>
+      <p:ext uri="{BB962C8B-B14F-4D97-AF65-F5344CB8AC3E}">
+        <p14:creationId xmlns:p14="http://schemas.microsoft.com/office/powerpoint/2010/main" val="247124458"/>
+      </p:ext>
+    </p:extLst>
+  </p:cSld>
+  <p:clrMapOvr>
+    <a:masterClrMapping/>
+  </p:clrMapOvr>
+</p:notes>
+</file>
+
+<file path=ppt/notesSlides/notesSlide8.xml><?xml version="1.0" encoding="utf-8"?>
+<p:notes xmlns:a="http://schemas.openxmlformats.org/drawingml/2006/main" xmlns:r="http://schemas.openxmlformats.org/officeDocument/2006/relationships" xmlns:p="http://schemas.openxmlformats.org/presentationml/2006/main">
+  <p:cSld>
+    <p:spTree>
+      <p:nvGrpSpPr>
+        <p:cNvPr id="1" name=""/>
+        <p:cNvGrpSpPr/>
+        <p:nvPr/>
+      </p:nvGrpSpPr>
+      <p:grpSpPr>
+        <a:xfrm>
+          <a:off x="0" y="0"/>
+          <a:ext cx="0" cy="0"/>
+          <a:chOff x="0" y="0"/>
+          <a:chExt cx="0" cy="0"/>
+        </a:xfrm>
+      </p:grpSpPr>
+      <p:sp>
+        <p:nvSpPr>
+          <p:cNvPr id="2" name="슬라이드 이미지 개체 틀 1"/>
+          <p:cNvSpPr>
+            <a:spLocks noGrp="1" noRot="1" noChangeAspect="1"/>
+          </p:cNvSpPr>
+          <p:nvPr>
+            <p:ph type="sldImg"/>
+          </p:nvPr>
+        </p:nvSpPr>
+        <p:spPr/>
+      </p:sp>
+      <p:sp>
+        <p:nvSpPr>
+          <p:cNvPr id="3" name="슬라이드 노트 개체 틀 2"/>
+          <p:cNvSpPr>
+            <a:spLocks noGrp="1"/>
+          </p:cNvSpPr>
+          <p:nvPr>
+            <p:ph type="body" idx="1"/>
+          </p:nvPr>
+        </p:nvSpPr>
+        <p:spPr/>
+        <p:txBody>
+          <a:bodyPr/>
+          <a:lstStyle/>
+          <a:p>
+            <a:r>
+              <a:rPr kumimoji="1" lang="en-US" altLang="ko-Kore-KR" dirty="0"/>
+              <a:t>/</a:t>
+            </a:r>
+            <a:r>
+              <a:rPr kumimoji="1" lang="ko-KR" altLang="en-US" dirty="0"/>
+              <a:t> 은 홈화면을 의미</a:t>
+            </a:r>
+            <a:r>
+              <a:rPr kumimoji="1" lang="en-US" altLang="ko-KR" dirty="0"/>
+              <a:t>.</a:t>
+            </a:r>
+            <a:endParaRPr kumimoji="1" lang="ko-Kore-KR" altLang="en-US" dirty="0"/>
+          </a:p>
+        </p:txBody>
+      </p:sp>
+      <p:sp>
+        <p:nvSpPr>
+          <p:cNvPr id="4" name="슬라이드 번호 개체 틀 3"/>
+          <p:cNvSpPr>
+            <a:spLocks noGrp="1"/>
+          </p:cNvSpPr>
+          <p:nvPr>
+            <p:ph type="sldNum" sz="quarter" idx="5"/>
+          </p:nvPr>
+        </p:nvSpPr>
+        <p:spPr/>
+        <p:txBody>
+          <a:bodyPr/>
+          <a:lstStyle/>
+          <a:p>
+            <a:fld id="{055CBCC3-3EF0-2545-92A0-1A509DDBEB90}" type="slidenum">
+              <a:rPr kumimoji="1" lang="ko-Kore-KR" altLang="en-US" smtClean="0"/>
+              <a:t>9</a:t>
+            </a:fld>
+            <a:endParaRPr kumimoji="1" lang="ko-Kore-KR" altLang="en-US"/>
+          </a:p>
+        </p:txBody>
+      </p:sp>
+    </p:spTree>
+    <p:extLst>
+      <p:ext uri="{BB962C8B-B14F-4D97-AF65-F5344CB8AC3E}">
+        <p14:creationId xmlns:p14="http://schemas.microsoft.com/office/powerpoint/2010/main" val="3382071592"/>
+      </p:ext>
+    </p:extLst>
+  </p:cSld>
+  <p:clrMapOvr>
+    <a:masterClrMapping/>
+  </p:clrMapOvr>
+</p:notes>
 </file>
 
 <file path=ppt/slideLayouts/slideLayout1.xml><?xml version="1.0" encoding="utf-8"?>
@@ -3396,6 +5128,337 @@
 </p:sld>
 </file>
 
+<file path=ppt/slides/slide10.xml><?xml version="1.0" encoding="utf-8"?>
+<p:sld xmlns:a="http://schemas.openxmlformats.org/drawingml/2006/main" xmlns:r="http://schemas.openxmlformats.org/officeDocument/2006/relationships" xmlns:p="http://schemas.openxmlformats.org/presentationml/2006/main">
+  <p:cSld>
+    <p:spTree>
+      <p:nvGrpSpPr>
+        <p:cNvPr id="1" name=""/>
+        <p:cNvGrpSpPr/>
+        <p:nvPr/>
+      </p:nvGrpSpPr>
+      <p:grpSpPr>
+        <a:xfrm>
+          <a:off x="0" y="0"/>
+          <a:ext cx="0" cy="0"/>
+          <a:chOff x="0" y="0"/>
+          <a:chExt cx="0" cy="0"/>
+        </a:xfrm>
+      </p:grpSpPr>
+      <p:sp>
+        <p:nvSpPr>
+          <p:cNvPr id="2" name="제목 1">
+            <a:extLst>
+              <a:ext uri="{FF2B5EF4-FFF2-40B4-BE49-F238E27FC236}">
+                <a16:creationId xmlns:a16="http://schemas.microsoft.com/office/drawing/2014/main" id="{2230864C-5ACD-8BEA-926B-E925B0B5A4CF}"/>
+              </a:ext>
+            </a:extLst>
+          </p:cNvPr>
+          <p:cNvSpPr>
+            <a:spLocks noGrp="1"/>
+          </p:cNvSpPr>
+          <p:nvPr>
+            <p:ph type="title"/>
+          </p:nvPr>
+        </p:nvSpPr>
+        <p:spPr/>
+        <p:txBody>
+          <a:bodyPr/>
+          <a:lstStyle/>
+          <a:p>
+            <a:r>
+              <a:rPr kumimoji="1" lang="ko-KR" altLang="en-US" b="1" dirty="0" err="1"/>
+              <a:t>리엑트</a:t>
+            </a:r>
+            <a:r>
+              <a:rPr kumimoji="1" lang="ko-KR" altLang="en-US" b="1" dirty="0"/>
+              <a:t> 라우터 </a:t>
+            </a:r>
+            <a:r>
+              <a:rPr kumimoji="1" lang="ko-KR" altLang="en-US" b="1" dirty="0" err="1"/>
+              <a:t>구글링시</a:t>
+            </a:r>
+            <a:r>
+              <a:rPr kumimoji="1" lang="ko-KR" altLang="en-US" b="1" dirty="0"/>
+              <a:t> 주의할 점</a:t>
+            </a:r>
+            <a:endParaRPr kumimoji="1" lang="ko-Kore-KR" altLang="en-US" b="1" dirty="0"/>
+          </a:p>
+        </p:txBody>
+      </p:sp>
+      <p:sp>
+        <p:nvSpPr>
+          <p:cNvPr id="4" name="TextBox 3">
+            <a:extLst>
+              <a:ext uri="{FF2B5EF4-FFF2-40B4-BE49-F238E27FC236}">
+                <a16:creationId xmlns:a16="http://schemas.microsoft.com/office/drawing/2014/main" id="{DB9E7788-5812-BCDA-B481-B5A4BA82DF46}"/>
+              </a:ext>
+            </a:extLst>
+          </p:cNvPr>
+          <p:cNvSpPr txBox="1"/>
+          <p:nvPr/>
+        </p:nvSpPr>
+        <p:spPr>
+          <a:xfrm>
+            <a:off x="357188" y="1690688"/>
+            <a:ext cx="11390554" cy="4201150"/>
+          </a:xfrm>
+          <a:prstGeom prst="rect">
+            <a:avLst/>
+          </a:prstGeom>
+          <a:noFill/>
+        </p:spPr>
+        <p:txBody>
+          <a:bodyPr wrap="none" rtlCol="0">
+            <a:spAutoFit/>
+          </a:bodyPr>
+          <a:lstStyle/>
+          <a:p>
+            <a:r>
+              <a:rPr kumimoji="1" lang="en-US" altLang="ko-Kore-KR" sz="3300" dirty="0"/>
+              <a:t>Switch</a:t>
+            </a:r>
+            <a:r>
+              <a:rPr kumimoji="1" lang="en-US" altLang="ko-KR" sz="3300" dirty="0"/>
+              <a:t>,</a:t>
+            </a:r>
+            <a:r>
+              <a:rPr kumimoji="1" lang="ko-KR" altLang="en-US" sz="3300" dirty="0"/>
+              <a:t> </a:t>
+            </a:r>
+            <a:r>
+              <a:rPr kumimoji="1" lang="en-US" altLang="ko-KR" sz="3300" dirty="0"/>
+              <a:t>link</a:t>
+            </a:r>
+            <a:r>
+              <a:rPr kumimoji="1" lang="ko-KR" altLang="en-US" sz="3300" dirty="0"/>
+              <a:t> </a:t>
+            </a:r>
+            <a:r>
+              <a:rPr kumimoji="1" lang="en-US" altLang="ko-KR" sz="3300" dirty="0"/>
+              <a:t>:</a:t>
+            </a:r>
+            <a:r>
+              <a:rPr kumimoji="1" lang="ko-KR" altLang="en-US" sz="3300" dirty="0"/>
+              <a:t> </a:t>
+            </a:r>
+            <a:r>
+              <a:rPr kumimoji="1" lang="en-US" altLang="ko-KR" sz="3300" dirty="0"/>
+              <a:t>react</a:t>
+            </a:r>
+            <a:r>
+              <a:rPr kumimoji="1" lang="ko-KR" altLang="en-US" sz="3300" dirty="0"/>
+              <a:t> </a:t>
+            </a:r>
+            <a:r>
+              <a:rPr kumimoji="1" lang="en-US" altLang="ko-KR" sz="3300" dirty="0"/>
+              <a:t>v6</a:t>
+            </a:r>
+            <a:r>
+              <a:rPr kumimoji="1" lang="ko-KR" altLang="en-US" sz="3300" dirty="0"/>
+              <a:t> </a:t>
+            </a:r>
+            <a:r>
+              <a:rPr kumimoji="1" lang="ko-KR" altLang="en-US" sz="3300" dirty="0" err="1"/>
+              <a:t>부터</a:t>
+            </a:r>
+            <a:r>
+              <a:rPr kumimoji="1" lang="ko-KR" altLang="en-US" sz="3300" dirty="0"/>
+              <a:t> 사용되지 않는다</a:t>
+            </a:r>
+            <a:r>
+              <a:rPr kumimoji="1" lang="en-US" altLang="ko-KR" sz="3300" dirty="0"/>
+              <a:t>.</a:t>
+            </a:r>
+            <a:r>
+              <a:rPr kumimoji="1" lang="ko-KR" altLang="en-US" sz="3300" dirty="0"/>
+              <a:t> 따라서 </a:t>
+            </a:r>
+            <a:r>
+              <a:rPr kumimoji="1" lang="en-US" altLang="ko-KR" sz="3300" dirty="0"/>
+              <a:t>switch, link</a:t>
+            </a:r>
+          </a:p>
+          <a:p>
+            <a:r>
+              <a:rPr kumimoji="1" lang="en-US" altLang="ko-KR" sz="3300" dirty="0"/>
+              <a:t> </a:t>
+            </a:r>
+            <a:r>
+              <a:rPr kumimoji="1" lang="ko-KR" altLang="en-US" sz="3300" dirty="0"/>
+              <a:t>가 포함 된</a:t>
+            </a:r>
+            <a:r>
+              <a:rPr kumimoji="1" lang="en-US" altLang="ko-KR" sz="3300" dirty="0"/>
+              <a:t> </a:t>
+            </a:r>
+            <a:r>
+              <a:rPr kumimoji="1" lang="ko-KR" altLang="en-US" sz="3300" dirty="0"/>
+              <a:t>코드 작성 시 오류가 날 것이다</a:t>
+            </a:r>
+            <a:r>
+              <a:rPr kumimoji="1" lang="en-US" altLang="ko-KR" sz="3300" dirty="0"/>
+              <a:t>.</a:t>
+            </a:r>
+          </a:p>
+          <a:p>
+            <a:endParaRPr kumimoji="1" lang="en-US" altLang="ko-KR" sz="3300" dirty="0"/>
+          </a:p>
+          <a:p>
+            <a:r>
+              <a:rPr kumimoji="1" lang="en-US" altLang="ko-Kore-KR" sz="3300" b="1" dirty="0">
+                <a:solidFill>
+                  <a:srgbClr val="FF0000"/>
+                </a:solidFill>
+              </a:rPr>
+              <a:t>Switch </a:t>
+            </a:r>
+            <a:r>
+              <a:rPr kumimoji="1" lang="ko-KR" altLang="en-US" sz="3300" b="1" dirty="0">
+                <a:solidFill>
+                  <a:srgbClr val="FF0000"/>
+                </a:solidFill>
+              </a:rPr>
+              <a:t>대신 </a:t>
+            </a:r>
+            <a:r>
+              <a:rPr kumimoji="1" lang="en-US" altLang="ko-KR" sz="3300" b="1" dirty="0">
+                <a:solidFill>
+                  <a:srgbClr val="FF0000"/>
+                </a:solidFill>
+              </a:rPr>
+              <a:t>Router</a:t>
+            </a:r>
+            <a:r>
+              <a:rPr kumimoji="1" lang="ko-KR" altLang="en-US" sz="3300" b="1" dirty="0" err="1">
+                <a:solidFill>
+                  <a:srgbClr val="FF0000"/>
+                </a:solidFill>
+              </a:rPr>
+              <a:t>를</a:t>
+            </a:r>
+            <a:r>
+              <a:rPr kumimoji="1" lang="ko-KR" altLang="en-US" sz="3300" b="1" dirty="0">
+                <a:solidFill>
+                  <a:srgbClr val="FF0000"/>
+                </a:solidFill>
+              </a:rPr>
+              <a:t> </a:t>
+            </a:r>
+            <a:br>
+              <a:rPr kumimoji="1" lang="en-US" altLang="ko-KR" sz="3300" b="1" dirty="0">
+                <a:solidFill>
+                  <a:srgbClr val="FF0000"/>
+                </a:solidFill>
+              </a:rPr>
+            </a:br>
+            <a:r>
+              <a:rPr kumimoji="1" lang="en-US" altLang="ko-KR" sz="3300" b="1" dirty="0">
+                <a:solidFill>
+                  <a:srgbClr val="FF0000"/>
+                </a:solidFill>
+              </a:rPr>
+              <a:t>link</a:t>
+            </a:r>
+            <a:r>
+              <a:rPr kumimoji="1" lang="ko-KR" altLang="en-US" sz="3300" b="1" dirty="0">
+                <a:solidFill>
+                  <a:srgbClr val="FF0000"/>
+                </a:solidFill>
+              </a:rPr>
+              <a:t> 대신 </a:t>
+            </a:r>
+            <a:r>
+              <a:rPr lang="en" altLang="ko-Kore-KR" sz="3600" b="1" dirty="0">
+                <a:solidFill>
+                  <a:srgbClr val="FF0000"/>
+                </a:solidFill>
+              </a:rPr>
+              <a:t>Routes</a:t>
+            </a:r>
+            <a:r>
+              <a:rPr lang="ko-KR" altLang="en-US" sz="3600" b="1" i="0" dirty="0">
+                <a:solidFill>
+                  <a:srgbClr val="FF0000"/>
+                </a:solidFill>
+                <a:effectLst/>
+                <a:latin typeface="Söhne"/>
+              </a:rPr>
+              <a:t>와 </a:t>
+            </a:r>
+            <a:r>
+              <a:rPr lang="en" altLang="ko-Kore-KR" sz="3600" b="1" dirty="0">
+                <a:solidFill>
+                  <a:srgbClr val="FF0000"/>
+                </a:solidFill>
+              </a:rPr>
+              <a:t>Route</a:t>
+            </a:r>
+            <a:r>
+              <a:rPr lang="ko-KR" altLang="en-US" sz="3600" b="1" dirty="0" err="1">
+                <a:solidFill>
+                  <a:srgbClr val="FF0000"/>
+                </a:solidFill>
+              </a:rPr>
+              <a:t>를</a:t>
+            </a:r>
+            <a:r>
+              <a:rPr lang="ko-KR" altLang="en-US" sz="3600" b="1" dirty="0">
+                <a:solidFill>
+                  <a:srgbClr val="FF0000"/>
+                </a:solidFill>
+              </a:rPr>
+              <a:t> 사용할 것</a:t>
+            </a:r>
+            <a:br>
+              <a:rPr kumimoji="1" lang="en-US" altLang="ko-KR" sz="3300" b="1" dirty="0">
+                <a:solidFill>
+                  <a:srgbClr val="FF0000"/>
+                </a:solidFill>
+              </a:rPr>
+            </a:br>
+            <a:r>
+              <a:rPr kumimoji="1" lang="ko-KR" altLang="en-US" sz="3300" b="1" dirty="0">
+                <a:solidFill>
+                  <a:srgbClr val="FF0000"/>
+                </a:solidFill>
+              </a:rPr>
+              <a:t>사용할 것</a:t>
+            </a:r>
+            <a:r>
+              <a:rPr kumimoji="1" lang="en-US" altLang="ko-KR" sz="3300" b="1" dirty="0">
+                <a:solidFill>
+                  <a:srgbClr val="FF0000"/>
+                </a:solidFill>
+              </a:rPr>
+              <a:t>.</a:t>
+            </a:r>
+          </a:p>
+          <a:p>
+            <a:endParaRPr kumimoji="1" lang="en-US" altLang="ko-Kore-KR" sz="3300" dirty="0"/>
+          </a:p>
+          <a:p>
+            <a:r>
+              <a:rPr kumimoji="1" lang="en-US" altLang="ko-Kore-KR" sz="3300" dirty="0"/>
+              <a:t> </a:t>
+            </a:r>
+            <a:endParaRPr kumimoji="1" lang="ko-Kore-KR" altLang="en-US" sz="3300" dirty="0"/>
+          </a:p>
+        </p:txBody>
+      </p:sp>
+    </p:spTree>
+    <p:extLst>
+      <p:ext uri="{BB962C8B-B14F-4D97-AF65-F5344CB8AC3E}">
+        <p14:creationId xmlns:p14="http://schemas.microsoft.com/office/powerpoint/2010/main" val="958340589"/>
+      </p:ext>
+    </p:extLst>
+  </p:cSld>
+  <p:clrMapOvr>
+    <a:masterClrMapping/>
+  </p:clrMapOvr>
+</p:sld>
+</file>
+
 <file path=ppt/slides/slide2.xml><?xml version="1.0" encoding="utf-8"?>
 <p:sld xmlns:a="http://schemas.openxmlformats.org/drawingml/2006/main" xmlns:r="http://schemas.openxmlformats.org/officeDocument/2006/relationships" xmlns:p="http://schemas.openxmlformats.org/presentationml/2006/main">
   <p:cSld>
@@ -3435,94 +5498,151 @@
           <a:lstStyle/>
           <a:p>
             <a:r>
+              <a:rPr kumimoji="1" lang="ko-Kore-KR" altLang="en-US" b="1" dirty="0"/>
+              <a:t>리엑트</a:t>
+            </a:r>
+            <a:r>
+              <a:rPr kumimoji="1" lang="ko-KR" altLang="en-US" b="1" dirty="0"/>
+              <a:t> </a:t>
+            </a:r>
+            <a:r>
+              <a:rPr kumimoji="1" lang="ko-KR" altLang="en-US" b="1" dirty="0" err="1"/>
+              <a:t>라우터란</a:t>
+            </a:r>
+            <a:r>
+              <a:rPr kumimoji="1" lang="en-US" altLang="ko-KR" b="1" dirty="0"/>
+              <a:t>?</a:t>
+            </a:r>
+            <a:r>
+              <a:rPr kumimoji="1" lang="ko-KR" altLang="en-US" b="1" dirty="0"/>
+              <a:t> </a:t>
+            </a:r>
+            <a:endParaRPr kumimoji="1" lang="ko-Kore-KR" altLang="en-US" b="1" dirty="0"/>
+          </a:p>
+        </p:txBody>
+      </p:sp>
+      <p:sp>
+        <p:nvSpPr>
+          <p:cNvPr id="3" name="내용 개체 틀 2">
+            <a:extLst>
+              <a:ext uri="{FF2B5EF4-FFF2-40B4-BE49-F238E27FC236}">
+                <a16:creationId xmlns:a16="http://schemas.microsoft.com/office/drawing/2014/main" id="{BEB8FDDB-FA5D-CDFE-0AE1-D8742AE116D1}"/>
+              </a:ext>
+            </a:extLst>
+          </p:cNvPr>
+          <p:cNvSpPr>
+            <a:spLocks noGrp="1"/>
+          </p:cNvSpPr>
+          <p:nvPr>
+            <p:ph idx="1"/>
+          </p:nvPr>
+        </p:nvSpPr>
+        <p:spPr/>
+        <p:txBody>
+          <a:bodyPr/>
+          <a:lstStyle/>
+          <a:p>
+            <a:pPr marL="0" indent="0">
+              <a:buNone/>
+            </a:pPr>
+            <a:r>
               <a:rPr kumimoji="1" lang="ko-Kore-KR" altLang="en-US" dirty="0"/>
-              <a:t>리엑트</a:t>
-            </a:r>
+              <a:t>웹파트</a:t>
+            </a:r>
+            <a:r>
+              <a:rPr kumimoji="1" lang="ko-KR" altLang="en-US" dirty="0"/>
+              <a:t> 과제 할 때를 떠올려 보자</a:t>
+            </a:r>
+            <a:r>
+              <a:rPr kumimoji="1" lang="en-US" altLang="ko-KR" dirty="0"/>
+              <a:t>.</a:t>
+            </a:r>
+          </a:p>
+          <a:p>
+            <a:pPr marL="0" indent="0">
+              <a:buNone/>
+            </a:pPr>
             <a:r>
               <a:rPr kumimoji="1" lang="ko-KR" altLang="en-US" dirty="0"/>
               <a:t> </a:t>
             </a:r>
             <a:r>
+              <a:rPr kumimoji="1" lang="en-US" altLang="ko-KR" dirty="0"/>
+              <a:t>Yarn dev</a:t>
+            </a:r>
+            <a:r>
               <a:rPr kumimoji="1" lang="ko-KR" altLang="en-US" dirty="0" err="1"/>
-              <a:t>라우터란</a:t>
+              <a:t>를</a:t>
+            </a:r>
+            <a:r>
+              <a:rPr kumimoji="1" lang="ko-KR" altLang="en-US" dirty="0"/>
+              <a:t> 입력하고 서버를 실행시키면  하나의 페이지 밖에 보이지 않았다</a:t>
+            </a:r>
+            <a:r>
+              <a:rPr kumimoji="1" lang="en-US" altLang="ko-KR" dirty="0"/>
+              <a:t>.</a:t>
+            </a:r>
+            <a:r>
+              <a:rPr kumimoji="1" lang="ko-KR" altLang="en-US" dirty="0"/>
+              <a:t> </a:t>
+            </a:r>
+            <a:endParaRPr kumimoji="1" lang="en-US" altLang="ko-KR" dirty="0"/>
+          </a:p>
+          <a:p>
+            <a:pPr marL="0" indent="0">
+              <a:buNone/>
+            </a:pPr>
+            <a:endParaRPr kumimoji="1" lang="en-US" altLang="ko-KR" dirty="0"/>
+          </a:p>
+          <a:p>
+            <a:pPr marL="0" indent="0">
+              <a:buNone/>
+            </a:pPr>
+            <a:r>
+              <a:rPr kumimoji="1" lang="ko-KR" altLang="en-US" dirty="0"/>
+              <a:t>만약 여러 개의 페이지를 보고 싶다면 어떻게 </a:t>
+            </a:r>
+            <a:r>
+              <a:rPr kumimoji="1" lang="ko-KR" altLang="en-US" dirty="0" err="1"/>
+              <a:t>해야할까</a:t>
             </a:r>
             <a:r>
               <a:rPr kumimoji="1" lang="en-US" altLang="ko-KR" dirty="0"/>
               <a:t>?</a:t>
             </a:r>
+          </a:p>
+          <a:p>
+            <a:pPr marL="0" indent="0">
+              <a:buNone/>
+            </a:pPr>
+            <a:r>
+              <a:rPr kumimoji="1" lang="ko-KR" altLang="en-US" dirty="0"/>
+              <a:t>아마 답을 찾지 못할 것이다</a:t>
+            </a:r>
+            <a:r>
+              <a:rPr kumimoji="1" lang="en-US" altLang="ko-KR" dirty="0"/>
+              <a:t>.</a:t>
+            </a:r>
+            <a:r>
+              <a:rPr kumimoji="1" lang="ko-KR" altLang="en-US" dirty="0"/>
+              <a:t>  당연하다</a:t>
+            </a:r>
+            <a:r>
+              <a:rPr kumimoji="1" lang="en-US" altLang="ko-KR" dirty="0"/>
+              <a:t>.</a:t>
+            </a:r>
+            <a:r>
+              <a:rPr kumimoji="1" lang="ko-KR" altLang="en-US" dirty="0"/>
+              <a:t> 우리는 이 부분에 대해 배우지 않았다</a:t>
+            </a:r>
+            <a:r>
+              <a:rPr kumimoji="1" lang="en-US" altLang="ko-KR" dirty="0"/>
+              <a:t>.</a:t>
+            </a:r>
             <a:r>
               <a:rPr kumimoji="1" lang="ko-KR" altLang="en-US" dirty="0"/>
               <a:t> </a:t>
             </a:r>
-            <a:endParaRPr kumimoji="1" lang="ko-Kore-KR" altLang="en-US" dirty="0"/>
-          </a:p>
-        </p:txBody>
-      </p:sp>
-      <p:sp>
-        <p:nvSpPr>
-          <p:cNvPr id="3" name="내용 개체 틀 2">
-            <a:extLst>
-              <a:ext uri="{FF2B5EF4-FFF2-40B4-BE49-F238E27FC236}">
-                <a16:creationId xmlns:a16="http://schemas.microsoft.com/office/drawing/2014/main" id="{BEB8FDDB-FA5D-CDFE-0AE1-D8742AE116D1}"/>
-              </a:ext>
-            </a:extLst>
-          </p:cNvPr>
-          <p:cNvSpPr>
-            <a:spLocks noGrp="1"/>
-          </p:cNvSpPr>
-          <p:nvPr>
-            <p:ph idx="1"/>
-          </p:nvPr>
-        </p:nvSpPr>
-        <p:spPr/>
-        <p:txBody>
-          <a:bodyPr/>
-          <a:lstStyle/>
-          <a:p>
-            <a:pPr marL="0" indent="0">
-              <a:buNone/>
-            </a:pPr>
-            <a:r>
-              <a:rPr kumimoji="1" lang="ko-Kore-KR" altLang="en-US" dirty="0"/>
-              <a:t>웹파트</a:t>
-            </a:r>
-            <a:r>
-              <a:rPr kumimoji="1" lang="ko-KR" altLang="en-US" dirty="0"/>
-              <a:t> 과제를 수행할 때를 회상해보자</a:t>
-            </a:r>
-            <a:r>
-              <a:rPr kumimoji="1" lang="en-US" altLang="ko-KR" dirty="0"/>
-              <a:t>.</a:t>
-            </a:r>
-          </a:p>
-          <a:p>
-            <a:pPr marL="0" indent="0">
-              <a:buNone/>
-            </a:pPr>
-            <a:r>
-              <a:rPr kumimoji="1" lang="ko-KR" altLang="en-US" dirty="0"/>
-              <a:t> </a:t>
-            </a:r>
-            <a:r>
-              <a:rPr kumimoji="1" lang="en-US" altLang="ko-KR" dirty="0"/>
-              <a:t>Yarn dev</a:t>
-            </a:r>
-            <a:r>
-              <a:rPr kumimoji="1" lang="ko-KR" altLang="en-US" dirty="0" err="1"/>
-              <a:t>를</a:t>
-            </a:r>
-            <a:r>
-              <a:rPr kumimoji="1" lang="ko-KR" altLang="en-US" dirty="0"/>
-              <a:t> 입력하고 서버를 실행시키면  하나의 페이지 밖에 보이지 않았다</a:t>
-            </a:r>
-            <a:r>
-              <a:rPr kumimoji="1" lang="en-US" altLang="ko-KR" dirty="0"/>
-              <a:t>.</a:t>
-            </a:r>
-            <a:r>
-              <a:rPr kumimoji="1" lang="ko-KR" altLang="en-US" dirty="0"/>
-              <a:t> </a:t>
-            </a:r>
             <a:endParaRPr kumimoji="1" lang="en-US" altLang="ko-KR" dirty="0"/>
           </a:p>
           <a:p>
@@ -3536,58 +5656,6 @@
               <a:buNone/>
             </a:pPr>
             <a:r>
-              <a:rPr kumimoji="1" lang="ko-KR" altLang="en-US" dirty="0"/>
-              <a:t>만약 </a:t>
-            </a:r>
-            <a:r>
-              <a:rPr kumimoji="1" lang="ko-KR" altLang="en-US" dirty="0" err="1"/>
-              <a:t>여러개의</a:t>
-            </a:r>
-            <a:r>
-              <a:rPr kumimoji="1" lang="ko-KR" altLang="en-US" dirty="0"/>
-              <a:t> 페이지를 보기 위해서는 어떻게 </a:t>
-            </a:r>
-            <a:r>
-              <a:rPr kumimoji="1" lang="ko-KR" altLang="en-US" dirty="0" err="1"/>
-              <a:t>해야할까</a:t>
-            </a:r>
-            <a:r>
-              <a:rPr kumimoji="1" lang="en-US" altLang="ko-KR" dirty="0"/>
-              <a:t>?</a:t>
-            </a:r>
-          </a:p>
-          <a:p>
-            <a:pPr marL="0" indent="0">
-              <a:buNone/>
-            </a:pPr>
-            <a:r>
-              <a:rPr kumimoji="1" lang="ko-KR" altLang="en-US" dirty="0"/>
-              <a:t>아마 답을 찾지 못할 것이다</a:t>
-            </a:r>
-            <a:r>
-              <a:rPr kumimoji="1" lang="en-US" altLang="ko-KR" dirty="0"/>
-              <a:t>.</a:t>
-            </a:r>
-            <a:r>
-              <a:rPr kumimoji="1" lang="ko-KR" altLang="en-US" dirty="0"/>
-              <a:t>  우리는 이 부분에 대해 배우지 않았다</a:t>
-            </a:r>
-            <a:r>
-              <a:rPr kumimoji="1" lang="en-US" altLang="ko-KR" dirty="0"/>
-              <a:t>.</a:t>
-            </a:r>
-          </a:p>
-          <a:p>
-            <a:pPr marL="0" indent="0">
-              <a:buNone/>
-            </a:pPr>
-            <a:endParaRPr kumimoji="1" lang="en-US" altLang="ko-KR" dirty="0"/>
-          </a:p>
-          <a:p>
-            <a:pPr marL="0" indent="0">
-              <a:buNone/>
-            </a:pPr>
-            <a:r>
               <a:rPr kumimoji="1" lang="ko-KR" altLang="en-US" dirty="0">
                 <a:solidFill>
                   <a:srgbClr val="FF0000"/>
@@ -3609,7 +5677,7 @@
                   <a:srgbClr val="FF0000"/>
                 </a:solidFill>
               </a:rPr>
-              <a:t>리엑트라우터를</a:t>
+              <a:t>리엑트</a:t>
             </a:r>
             <a:r>
               <a:rPr kumimoji="1" lang="ko-KR" altLang="en-US" dirty="0">
@@ -3617,7 +5685,7 @@
                   <a:srgbClr val="FF0000"/>
                 </a:solidFill>
               </a:rPr>
-              <a:t> 사용한다</a:t>
+              <a:t> 라우터를 사용한다</a:t>
             </a:r>
             <a:r>
               <a:rPr kumimoji="1" lang="en-US" altLang="ko-KR" dirty="0">
@@ -3694,18 +5762,18 @@
           <a:lstStyle/>
           <a:p>
             <a:r>
-              <a:rPr kumimoji="1" lang="ko-Kore-KR" altLang="en-US" dirty="0"/>
+              <a:rPr kumimoji="1" lang="ko-Kore-KR" altLang="en-US" b="1" dirty="0"/>
               <a:t>리엑트</a:t>
             </a:r>
             <a:r>
-              <a:rPr kumimoji="1" lang="ko-KR" altLang="en-US" dirty="0"/>
+              <a:rPr kumimoji="1" lang="ko-KR" altLang="en-US" b="1" dirty="0"/>
               <a:t> 라우터를 왜 알아야 하나요</a:t>
             </a:r>
             <a:r>
-              <a:rPr kumimoji="1" lang="en-US" altLang="ko-KR" dirty="0"/>
+              <a:rPr kumimoji="1" lang="en-US" altLang="ko-KR" b="1" dirty="0"/>
               <a:t>?</a:t>
             </a:r>
-            <a:endParaRPr kumimoji="1" lang="ko-Kore-KR" altLang="en-US" dirty="0"/>
+            <a:endParaRPr kumimoji="1" lang="ko-Kore-KR" altLang="en-US" b="1" dirty="0"/>
           </a:p>
         </p:txBody>
       </p:sp>
@@ -3727,7 +5795,9 @@
         </p:nvSpPr>
         <p:spPr/>
         <p:txBody>
-          <a:bodyPr/>
+          <a:bodyPr>
+            <a:normAutofit/>
+          </a:bodyPr>
           <a:lstStyle/>
           <a:p>
             <a:r>
@@ -3785,7 +5855,23 @@
           <a:p>
             <a:r>
               <a:rPr kumimoji="1" lang="ko-KR" altLang="en-US" dirty="0"/>
-              <a:t>꼭 이번 프로젝트가  아니더라도 프론트 엔드 개발자 지망인 이상  </a:t>
+              <a:t>꼭 이번 프로젝트가 아니더라도 </a:t>
+            </a:r>
+            <a:r>
+              <a:rPr kumimoji="1" lang="ko-KR" altLang="en-US" dirty="0" err="1"/>
+              <a:t>프론트엔드</a:t>
+            </a:r>
+            <a:r>
+              <a:rPr kumimoji="1" lang="ko-KR" altLang="en-US" dirty="0"/>
+              <a:t> 개발자 지망생으로서 </a:t>
+            </a:r>
+            <a:r>
+              <a:rPr kumimoji="1" lang="ko-KR" altLang="en-US" dirty="0" err="1"/>
+              <a:t>리엑트를</a:t>
+            </a:r>
+            <a:r>
+              <a:rPr kumimoji="1" lang="ko-KR" altLang="en-US" dirty="0"/>
+              <a:t> 사용하기로 마음먹은 이상  </a:t>
             </a:r>
             <a:r>
               <a:rPr kumimoji="1" lang="ko-KR" altLang="en-US" dirty="0" err="1"/>
@@ -3797,7 +5883,7 @@
             </a:r>
             <a:r>
               <a:rPr kumimoji="1" lang="en-US" altLang="ko-KR" dirty="0"/>
-              <a:t>.</a:t>
+              <a:t>. </a:t>
             </a:r>
           </a:p>
         </p:txBody>
@@ -3854,14 +5940,18 @@
           <a:lstStyle/>
           <a:p>
             <a:r>
-              <a:rPr kumimoji="1" lang="ko-Kore-KR" altLang="en-US" dirty="0"/>
+              <a:rPr kumimoji="1" lang="ko-KR" altLang="en-US" b="1" dirty="0"/>
+              <a:t>도파민 코드로 보는 </a:t>
+            </a:r>
+            <a:r>
+              <a:rPr kumimoji="1" lang="ko-KR" altLang="en-US" b="1" dirty="0" err="1"/>
               <a:t>리엑트</a:t>
             </a:r>
             <a:r>
-              <a:rPr kumimoji="1" lang="ko-KR" altLang="en-US" dirty="0"/>
-              <a:t> 라우터 사용법</a:t>
-            </a:r>
-            <a:endParaRPr kumimoji="1" lang="ko-Kore-KR" altLang="en-US" dirty="0"/>
+              <a:rPr kumimoji="1" lang="ko-KR" altLang="en-US" b="1" dirty="0"/>
+              <a:t> 라우터</a:t>
+            </a:r>
+            <a:endParaRPr kumimoji="1" lang="ko-Kore-KR" altLang="en-US" b="1" dirty="0"/>
           </a:p>
         </p:txBody>
       </p:sp>
@@ -3881,7 +5971,12 @@
             <p:ph idx="1"/>
           </p:nvPr>
         </p:nvSpPr>
-        <p:spPr/>
+        <p:spPr>
+          <a:xfrm>
+            <a:off x="838200" y="911225"/>
+            <a:ext cx="10515600" cy="4351338"/>
+          </a:xfrm>
+        </p:spPr>
         <p:txBody>
           <a:bodyPr/>
           <a:lstStyle/>
@@ -3890,7 +5985,7 @@
               <a:buNone/>
             </a:pPr>
             <a:endParaRPr kumimoji="1" lang="en" altLang="ko-Kore-KR" dirty="0">
-              <a:hlinkClick r:id="rId2"/>
+              <a:hlinkClick r:id="rId3"/>
             </a:endParaRPr>
           </a:p>
           <a:p>
@@ -3898,7 +5993,7 @@
               <a:buNone/>
             </a:pPr>
             <a:endParaRPr kumimoji="1" lang="en" altLang="ko-Kore-KR" dirty="0">
-              <a:hlinkClick r:id="rId2"/>
+              <a:hlinkClick r:id="rId3"/>
             </a:endParaRPr>
           </a:p>
           <a:p>
@@ -3906,31 +6001,1042 @@
               <a:buNone/>
             </a:pPr>
             <a:endParaRPr kumimoji="1" lang="en" altLang="ko-Kore-KR" dirty="0">
-              <a:hlinkClick r:id="rId2"/>
+              <a:hlinkClick r:id="rId3"/>
             </a:endParaRPr>
           </a:p>
-          <a:p>
-            <a:pPr marL="0" indent="0" algn="ctr">
-              <a:buNone/>
-            </a:pPr>
-            <a:r>
-              <a:rPr kumimoji="1" lang="en" altLang="ko-Kore-KR" dirty="0">
-                <a:hlinkClick r:id="rId2"/>
-              </a:rPr>
-              <a:t>https://leeseong010.tistory.com/25</a:t>
-            </a:r>
-            <a:r>
-              <a:rPr kumimoji="1" lang="ko-KR" altLang="en-US" dirty="0"/>
-              <a:t> </a:t>
-            </a:r>
-            <a:endParaRPr kumimoji="1" lang="ko-Kore-KR" altLang="en-US" dirty="0"/>
+        </p:txBody>
+      </p:sp>
+      <p:pic>
+        <p:nvPicPr>
+          <p:cNvPr id="5" name="그림 4">
+            <a:extLst>
+              <a:ext uri="{FF2B5EF4-FFF2-40B4-BE49-F238E27FC236}">
+                <a16:creationId xmlns:a16="http://schemas.microsoft.com/office/drawing/2014/main" id="{59D4EFF1-880E-1390-07C3-568B342654D6}"/>
+              </a:ext>
+            </a:extLst>
+          </p:cNvPr>
+          <p:cNvPicPr>
+            <a:picLocks noChangeAspect="1"/>
+          </p:cNvPicPr>
+          <p:nvPr/>
+        </p:nvPicPr>
+        <p:blipFill rotWithShape="1">
+          <a:blip r:embed="rId4"/>
+          <a:srcRect l="823" t="28125" r="-823" b="43750"/>
+          <a:stretch/>
+        </p:blipFill>
+        <p:spPr>
+          <a:xfrm>
+            <a:off x="1513489" y="3086894"/>
+            <a:ext cx="9479017" cy="984547"/>
+          </a:xfrm>
+          <a:prstGeom prst="rect">
+            <a:avLst/>
+          </a:prstGeom>
+        </p:spPr>
+      </p:pic>
+      <p:sp>
+        <p:nvSpPr>
+          <p:cNvPr id="8" name="TextBox 7">
+            <a:extLst>
+              <a:ext uri="{FF2B5EF4-FFF2-40B4-BE49-F238E27FC236}">
+                <a16:creationId xmlns:a16="http://schemas.microsoft.com/office/drawing/2014/main" id="{521610E2-E966-FA35-8C1B-08D142E12AF7}"/>
+              </a:ext>
+            </a:extLst>
+          </p:cNvPr>
+          <p:cNvSpPr txBox="1"/>
+          <p:nvPr/>
+        </p:nvSpPr>
+        <p:spPr>
+          <a:xfrm>
+            <a:off x="2427367" y="5167565"/>
+            <a:ext cx="7337265" cy="600164"/>
+          </a:xfrm>
+          <a:prstGeom prst="rect">
+            <a:avLst/>
+          </a:prstGeom>
+          <a:noFill/>
+        </p:spPr>
+        <p:txBody>
+          <a:bodyPr wrap="none" rtlCol="0">
+            <a:spAutoFit/>
+          </a:bodyPr>
+          <a:lstStyle/>
+          <a:p>
+            <a:r>
+              <a:rPr kumimoji="1" lang="ko-KR" altLang="en-US" sz="3300" dirty="0" err="1"/>
+              <a:t>리엑트</a:t>
+            </a:r>
+            <a:r>
+              <a:rPr kumimoji="1" lang="ko-KR" altLang="en-US" sz="3300" dirty="0"/>
+              <a:t> 라우터를 쓰기 위한 </a:t>
+            </a:r>
+            <a:r>
+              <a:rPr kumimoji="1" lang="en-US" altLang="ko-KR" sz="3300" dirty="0"/>
+              <a:t>import </a:t>
+            </a:r>
+            <a:r>
+              <a:rPr kumimoji="1" lang="ko-KR" altLang="en-US" sz="3300" dirty="0"/>
+              <a:t>작업</a:t>
+            </a:r>
+            <a:endParaRPr kumimoji="1" lang="ko-Kore-KR" altLang="en-US" sz="3300" dirty="0"/>
           </a:p>
         </p:txBody>
       </p:sp>
     </p:spTree>
     <p:extLst>
       <p:ext uri="{BB962C8B-B14F-4D97-AF65-F5344CB8AC3E}">
-        <p14:creationId xmlns:p14="http://schemas.microsoft.com/office/powerpoint/2010/main" val="1070400159"/>
+        <p14:creationId xmlns:p14="http://schemas.microsoft.com/office/powerpoint/2010/main" val="267687404"/>
+      </p:ext>
+    </p:extLst>
+  </p:cSld>
+  <p:clrMapOvr>
+    <a:masterClrMapping/>
+  </p:clrMapOvr>
+</p:sld>
+</file>
+
+<file path=ppt/slides/slide5.xml><?xml version="1.0" encoding="utf-8"?>
+<p:sld xmlns:a="http://schemas.openxmlformats.org/drawingml/2006/main" xmlns:r="http://schemas.openxmlformats.org/officeDocument/2006/relationships" xmlns:p="http://schemas.openxmlformats.org/presentationml/2006/main">
+  <p:cSld>
+    <p:spTree>
+      <p:nvGrpSpPr>
+        <p:cNvPr id="1" name=""/>
+        <p:cNvGrpSpPr/>
+        <p:nvPr/>
+      </p:nvGrpSpPr>
+      <p:grpSpPr>
+        <a:xfrm>
+          <a:off x="0" y="0"/>
+          <a:ext cx="0" cy="0"/>
+          <a:chOff x="0" y="0"/>
+          <a:chExt cx="0" cy="0"/>
+        </a:xfrm>
+      </p:grpSpPr>
+      <p:sp>
+        <p:nvSpPr>
+          <p:cNvPr id="2" name="제목 1">
+            <a:extLst>
+              <a:ext uri="{FF2B5EF4-FFF2-40B4-BE49-F238E27FC236}">
+                <a16:creationId xmlns:a16="http://schemas.microsoft.com/office/drawing/2014/main" id="{2230864C-5ACD-8BEA-926B-E925B0B5A4CF}"/>
+              </a:ext>
+            </a:extLst>
+          </p:cNvPr>
+          <p:cNvSpPr>
+            <a:spLocks noGrp="1"/>
+          </p:cNvSpPr>
+          <p:nvPr>
+            <p:ph type="title"/>
+          </p:nvPr>
+        </p:nvSpPr>
+        <p:spPr/>
+        <p:txBody>
+          <a:bodyPr/>
+          <a:lstStyle/>
+          <a:p>
+            <a:r>
+              <a:rPr kumimoji="1" lang="ko-KR" altLang="en-US" b="1" dirty="0"/>
+              <a:t>도파민 코드로 보는 </a:t>
+            </a:r>
+            <a:r>
+              <a:rPr kumimoji="1" lang="ko-KR" altLang="en-US" b="1" dirty="0" err="1"/>
+              <a:t>리엑트</a:t>
+            </a:r>
+            <a:r>
+              <a:rPr kumimoji="1" lang="ko-KR" altLang="en-US" b="1" dirty="0"/>
+              <a:t> 라우터</a:t>
+            </a:r>
+            <a:endParaRPr kumimoji="1" lang="ko-Kore-KR" altLang="en-US" b="1" dirty="0"/>
+          </a:p>
+        </p:txBody>
+      </p:sp>
+      <p:sp>
+        <p:nvSpPr>
+          <p:cNvPr id="3" name="내용 개체 틀 2">
+            <a:extLst>
+              <a:ext uri="{FF2B5EF4-FFF2-40B4-BE49-F238E27FC236}">
+                <a16:creationId xmlns:a16="http://schemas.microsoft.com/office/drawing/2014/main" id="{55E8939F-C5F2-51EC-3A96-CBC0E62D2F05}"/>
+              </a:ext>
+            </a:extLst>
+          </p:cNvPr>
+          <p:cNvSpPr>
+            <a:spLocks noGrp="1"/>
+          </p:cNvSpPr>
+          <p:nvPr>
+            <p:ph idx="1"/>
+          </p:nvPr>
+        </p:nvSpPr>
+        <p:spPr>
+          <a:xfrm>
+            <a:off x="838200" y="911225"/>
+            <a:ext cx="10515600" cy="4351338"/>
+          </a:xfrm>
+        </p:spPr>
+        <p:txBody>
+          <a:bodyPr/>
+          <a:lstStyle/>
+          <a:p>
+            <a:pPr marL="0" indent="0" algn="ctr">
+              <a:buNone/>
+            </a:pPr>
+            <a:endParaRPr kumimoji="1" lang="en" altLang="ko-Kore-KR" dirty="0">
+              <a:hlinkClick r:id="rId3"/>
+            </a:endParaRPr>
+          </a:p>
+          <a:p>
+            <a:pPr marL="0" indent="0" algn="ctr">
+              <a:buNone/>
+            </a:pPr>
+            <a:endParaRPr kumimoji="1" lang="en" altLang="ko-Kore-KR" dirty="0">
+              <a:hlinkClick r:id="rId3"/>
+            </a:endParaRPr>
+          </a:p>
+          <a:p>
+            <a:pPr marL="0" indent="0" algn="ctr">
+              <a:buNone/>
+            </a:pPr>
+            <a:endParaRPr kumimoji="1" lang="en" altLang="ko-Kore-KR" dirty="0">
+              <a:hlinkClick r:id="rId3"/>
+            </a:endParaRPr>
+          </a:p>
+        </p:txBody>
+      </p:sp>
+      <p:sp>
+        <p:nvSpPr>
+          <p:cNvPr id="8" name="TextBox 7">
+            <a:extLst>
+              <a:ext uri="{FF2B5EF4-FFF2-40B4-BE49-F238E27FC236}">
+                <a16:creationId xmlns:a16="http://schemas.microsoft.com/office/drawing/2014/main" id="{521610E2-E966-FA35-8C1B-08D142E12AF7}"/>
+              </a:ext>
+            </a:extLst>
+          </p:cNvPr>
+          <p:cNvSpPr txBox="1"/>
+          <p:nvPr/>
+        </p:nvSpPr>
+        <p:spPr>
+          <a:xfrm>
+            <a:off x="2427367" y="3194133"/>
+            <a:ext cx="7351693" cy="600164"/>
+          </a:xfrm>
+          <a:prstGeom prst="rect">
+            <a:avLst/>
+          </a:prstGeom>
+          <a:noFill/>
+        </p:spPr>
+        <p:txBody>
+          <a:bodyPr wrap="none" rtlCol="0">
+            <a:spAutoFit/>
+          </a:bodyPr>
+          <a:lstStyle/>
+          <a:p>
+            <a:r>
+              <a:rPr kumimoji="1" lang="ko-KR" altLang="en-US" sz="3300" dirty="0"/>
+              <a:t>하지만 놀랍게도 수정해야할 코드이다</a:t>
+            </a:r>
+            <a:r>
+              <a:rPr kumimoji="1" lang="en-US" altLang="ko-KR" sz="3300" dirty="0"/>
+              <a:t>.</a:t>
+            </a:r>
+            <a:endParaRPr kumimoji="1" lang="ko-Kore-KR" altLang="en-US" sz="3300" dirty="0"/>
+          </a:p>
+        </p:txBody>
+      </p:sp>
+    </p:spTree>
+    <p:extLst>
+      <p:ext uri="{BB962C8B-B14F-4D97-AF65-F5344CB8AC3E}">
+        <p14:creationId xmlns:p14="http://schemas.microsoft.com/office/powerpoint/2010/main" val="719912005"/>
+      </p:ext>
+    </p:extLst>
+  </p:cSld>
+  <p:clrMapOvr>
+    <a:masterClrMapping/>
+  </p:clrMapOvr>
+</p:sld>
+</file>
+
+<file path=ppt/slides/slide6.xml><?xml version="1.0" encoding="utf-8"?>
+<p:sld xmlns:a="http://schemas.openxmlformats.org/drawingml/2006/main" xmlns:r="http://schemas.openxmlformats.org/officeDocument/2006/relationships" xmlns:p="http://schemas.openxmlformats.org/presentationml/2006/main">
+  <p:cSld>
+    <p:spTree>
+      <p:nvGrpSpPr>
+        <p:cNvPr id="1" name=""/>
+        <p:cNvGrpSpPr/>
+        <p:nvPr/>
+      </p:nvGrpSpPr>
+      <p:grpSpPr>
+        <a:xfrm>
+          <a:off x="0" y="0"/>
+          <a:ext cx="0" cy="0"/>
+          <a:chOff x="0" y="0"/>
+          <a:chExt cx="0" cy="0"/>
+        </a:xfrm>
+      </p:grpSpPr>
+      <p:sp>
+        <p:nvSpPr>
+          <p:cNvPr id="2" name="제목 1">
+            <a:extLst>
+              <a:ext uri="{FF2B5EF4-FFF2-40B4-BE49-F238E27FC236}">
+                <a16:creationId xmlns:a16="http://schemas.microsoft.com/office/drawing/2014/main" id="{2230864C-5ACD-8BEA-926B-E925B0B5A4CF}"/>
+              </a:ext>
+            </a:extLst>
+          </p:cNvPr>
+          <p:cNvSpPr>
+            <a:spLocks noGrp="1"/>
+          </p:cNvSpPr>
+          <p:nvPr>
+            <p:ph type="title"/>
+          </p:nvPr>
+        </p:nvSpPr>
+        <p:spPr/>
+        <p:txBody>
+          <a:bodyPr/>
+          <a:lstStyle/>
+          <a:p>
+            <a:r>
+              <a:rPr kumimoji="1" lang="ko-KR" altLang="en-US" b="1" dirty="0"/>
+              <a:t>도파민 코드로 보는 </a:t>
+            </a:r>
+            <a:r>
+              <a:rPr kumimoji="1" lang="ko-KR" altLang="en-US" b="1" dirty="0" err="1"/>
+              <a:t>리엑트</a:t>
+            </a:r>
+            <a:r>
+              <a:rPr kumimoji="1" lang="ko-KR" altLang="en-US" b="1" dirty="0"/>
+              <a:t> 라우터</a:t>
+            </a:r>
+            <a:endParaRPr kumimoji="1" lang="ko-Kore-KR" altLang="en-US" b="1" dirty="0"/>
+          </a:p>
+        </p:txBody>
+      </p:sp>
+      <p:sp>
+        <p:nvSpPr>
+          <p:cNvPr id="3" name="내용 개체 틀 2">
+            <a:extLst>
+              <a:ext uri="{FF2B5EF4-FFF2-40B4-BE49-F238E27FC236}">
+                <a16:creationId xmlns:a16="http://schemas.microsoft.com/office/drawing/2014/main" id="{55E8939F-C5F2-51EC-3A96-CBC0E62D2F05}"/>
+              </a:ext>
+            </a:extLst>
+          </p:cNvPr>
+          <p:cNvSpPr>
+            <a:spLocks noGrp="1"/>
+          </p:cNvSpPr>
+          <p:nvPr>
+            <p:ph idx="1"/>
+          </p:nvPr>
+        </p:nvSpPr>
+        <p:spPr>
+          <a:xfrm>
+            <a:off x="838200" y="911225"/>
+            <a:ext cx="10515600" cy="4351338"/>
+          </a:xfrm>
+        </p:spPr>
+        <p:txBody>
+          <a:bodyPr/>
+          <a:lstStyle/>
+          <a:p>
+            <a:pPr marL="0" indent="0" algn="ctr">
+              <a:buNone/>
+            </a:pPr>
+            <a:endParaRPr kumimoji="1" lang="en" altLang="ko-Kore-KR" dirty="0">
+              <a:hlinkClick r:id="rId3"/>
+            </a:endParaRPr>
+          </a:p>
+          <a:p>
+            <a:pPr marL="0" indent="0" algn="ctr">
+              <a:buNone/>
+            </a:pPr>
+            <a:endParaRPr kumimoji="1" lang="en" altLang="ko-Kore-KR" dirty="0">
+              <a:hlinkClick r:id="rId3"/>
+            </a:endParaRPr>
+          </a:p>
+          <a:p>
+            <a:pPr marL="0" indent="0" algn="ctr">
+              <a:buNone/>
+            </a:pPr>
+            <a:endParaRPr kumimoji="1" lang="en" altLang="ko-Kore-KR" dirty="0">
+              <a:hlinkClick r:id="rId3"/>
+            </a:endParaRPr>
+          </a:p>
+        </p:txBody>
+      </p:sp>
+      <p:sp>
+        <p:nvSpPr>
+          <p:cNvPr id="8" name="TextBox 7">
+            <a:extLst>
+              <a:ext uri="{FF2B5EF4-FFF2-40B4-BE49-F238E27FC236}">
+                <a16:creationId xmlns:a16="http://schemas.microsoft.com/office/drawing/2014/main" id="{521610E2-E966-FA35-8C1B-08D142E12AF7}"/>
+              </a:ext>
+            </a:extLst>
+          </p:cNvPr>
+          <p:cNvSpPr txBox="1"/>
+          <p:nvPr/>
+        </p:nvSpPr>
+        <p:spPr>
+          <a:xfrm>
+            <a:off x="3477334" y="2117398"/>
+            <a:ext cx="5237331" cy="1938992"/>
+          </a:xfrm>
+          <a:prstGeom prst="rect">
+            <a:avLst/>
+          </a:prstGeom>
+          <a:noFill/>
+        </p:spPr>
+        <p:txBody>
+          <a:bodyPr wrap="none" rtlCol="0">
+            <a:spAutoFit/>
+          </a:bodyPr>
+          <a:lstStyle/>
+          <a:p>
+            <a:r>
+              <a:rPr lang="en-US" altLang="ko-KR" sz="2400" b="1" dirty="0">
+                <a:latin typeface="Menlo" panose="020B0609030804020204" pitchFamily="49" charset="0"/>
+              </a:rPr>
+              <a:t>import </a:t>
+            </a:r>
+            <a:r>
+              <a:rPr lang="ko-KR" altLang="en-US" sz="2400" b="1" dirty="0" err="1">
+                <a:latin typeface="Menlo" panose="020B0609030804020204" pitchFamily="49" charset="0"/>
+              </a:rPr>
+              <a:t>작업시</a:t>
+            </a:r>
+            <a:endParaRPr lang="en-US" altLang="ko-Kore-KR" sz="2400" b="1" dirty="0">
+              <a:latin typeface="Menlo" panose="020B0609030804020204" pitchFamily="49" charset="0"/>
+            </a:endParaRPr>
+          </a:p>
+          <a:p>
+            <a:r>
+              <a:rPr lang="en" altLang="ko-Kore-KR" sz="2400" b="1" dirty="0">
+                <a:effectLst/>
+                <a:latin typeface="Menlo" panose="020B0609030804020204" pitchFamily="49" charset="0"/>
+              </a:rPr>
+              <a:t>react-router-</a:t>
+            </a:r>
+            <a:r>
+              <a:rPr lang="en" altLang="ko-Kore-KR" sz="2400" b="1" dirty="0" err="1">
+                <a:effectLst/>
+                <a:latin typeface="Menlo" panose="020B0609030804020204" pitchFamily="49" charset="0"/>
+              </a:rPr>
+              <a:t>dom</a:t>
+            </a:r>
+            <a:r>
+              <a:rPr lang="ko-KR" altLang="en-US" sz="2400" b="1" dirty="0">
+                <a:latin typeface="Menlo" panose="020B0609030804020204" pitchFamily="49" charset="0"/>
+              </a:rPr>
+              <a:t> </a:t>
+            </a:r>
+            <a:r>
+              <a:rPr lang="en-US" altLang="ko-KR" sz="2400" b="1" dirty="0">
+                <a:latin typeface="Menlo" panose="020B0609030804020204" pitchFamily="49" charset="0"/>
+              </a:rPr>
+              <a:t>:</a:t>
+            </a:r>
+            <a:r>
+              <a:rPr lang="ko-KR" altLang="en-US" sz="2400" b="1" dirty="0">
+                <a:latin typeface="Menlo" panose="020B0609030804020204" pitchFamily="49" charset="0"/>
+              </a:rPr>
+              <a:t> </a:t>
+            </a:r>
+            <a:r>
+              <a:rPr lang="ko-KR" altLang="en-US" sz="2400" b="1" dirty="0">
+                <a:effectLst/>
+                <a:latin typeface="Menlo" panose="020B0609030804020204" pitchFamily="49" charset="0"/>
+              </a:rPr>
+              <a:t>웹 </a:t>
+            </a:r>
+            <a:endParaRPr lang="en-US" altLang="ko-KR" sz="2400" b="1" dirty="0">
+              <a:effectLst/>
+              <a:latin typeface="Menlo" panose="020B0609030804020204" pitchFamily="49" charset="0"/>
+            </a:endParaRPr>
+          </a:p>
+          <a:p>
+            <a:r>
+              <a:rPr kumimoji="1" lang="en-US" altLang="ko-Kore-KR" sz="2400" b="1" dirty="0">
+                <a:solidFill>
+                  <a:srgbClr val="FF0000"/>
+                </a:solidFill>
+                <a:latin typeface="Menlo" panose="020B0609030804020204" pitchFamily="49" charset="0"/>
+              </a:rPr>
+              <a:t>React- route</a:t>
+            </a:r>
+            <a:r>
+              <a:rPr kumimoji="1" lang="en-US" altLang="ko-KR" sz="2400" b="1" dirty="0">
+                <a:solidFill>
+                  <a:srgbClr val="FF0000"/>
+                </a:solidFill>
+                <a:latin typeface="Menlo" panose="020B0609030804020204" pitchFamily="49" charset="0"/>
+              </a:rPr>
+              <a:t>r</a:t>
+            </a:r>
+            <a:r>
+              <a:rPr kumimoji="1" lang="ko-KR" altLang="en-US" sz="2400" b="1" dirty="0">
+                <a:solidFill>
+                  <a:srgbClr val="FF0000"/>
+                </a:solidFill>
+                <a:latin typeface="Menlo" panose="020B0609030804020204" pitchFamily="49" charset="0"/>
+              </a:rPr>
+              <a:t> </a:t>
+            </a:r>
+            <a:r>
+              <a:rPr kumimoji="1" lang="en-US" altLang="ko-KR" sz="2400" b="1" dirty="0">
+                <a:solidFill>
+                  <a:srgbClr val="FF0000"/>
+                </a:solidFill>
+                <a:latin typeface="Menlo" panose="020B0609030804020204" pitchFamily="49" charset="0"/>
+              </a:rPr>
+              <a:t>:</a:t>
+            </a:r>
+            <a:r>
+              <a:rPr kumimoji="1" lang="ko-KR" altLang="en-US" sz="2400" b="1" dirty="0">
+                <a:solidFill>
+                  <a:srgbClr val="FF0000"/>
+                </a:solidFill>
+                <a:latin typeface="Menlo" panose="020B0609030804020204" pitchFamily="49" charset="0"/>
+              </a:rPr>
+              <a:t> </a:t>
+            </a:r>
+            <a:r>
+              <a:rPr kumimoji="1" lang="ko-KR" altLang="en-US" sz="2400" b="1" dirty="0" err="1">
+                <a:solidFill>
+                  <a:srgbClr val="FF0000"/>
+                </a:solidFill>
+                <a:latin typeface="Menlo" panose="020B0609030804020204" pitchFamily="49" charset="0"/>
+              </a:rPr>
+              <a:t>웹앱</a:t>
+            </a:r>
+            <a:br>
+              <a:rPr kumimoji="1" lang="en-US" altLang="ko-KR" sz="2400" b="1" dirty="0">
+                <a:solidFill>
+                  <a:srgbClr val="CE9178"/>
+                </a:solidFill>
+                <a:latin typeface="Menlo" panose="020B0609030804020204" pitchFamily="49" charset="0"/>
+              </a:rPr>
+            </a:br>
+            <a:br>
+              <a:rPr kumimoji="1" lang="en-US" altLang="ko-KR" sz="2400" b="1" dirty="0">
+                <a:solidFill>
+                  <a:srgbClr val="CE9178"/>
+                </a:solidFill>
+                <a:latin typeface="Menlo" panose="020B0609030804020204" pitchFamily="49" charset="0"/>
+              </a:rPr>
+            </a:br>
+            <a:r>
+              <a:rPr kumimoji="1" lang="ko-KR" altLang="en-US" sz="2400" b="1" dirty="0">
+                <a:latin typeface="Menlo" panose="020B0609030804020204" pitchFamily="49" charset="0"/>
+              </a:rPr>
+              <a:t>나도 </a:t>
+            </a:r>
+            <a:r>
+              <a:rPr kumimoji="1" lang="ko-KR" altLang="en-US" sz="2400" b="1" dirty="0" err="1">
+                <a:latin typeface="Menlo" panose="020B0609030804020204" pitchFamily="49" charset="0"/>
+              </a:rPr>
+              <a:t>방금알아서</a:t>
+            </a:r>
+            <a:r>
+              <a:rPr kumimoji="1" lang="ko-KR" altLang="en-US" sz="2400" b="1" dirty="0">
+                <a:latin typeface="Menlo" panose="020B0609030804020204" pitchFamily="49" charset="0"/>
+              </a:rPr>
+              <a:t> 급하게 수정했다</a:t>
+            </a:r>
+            <a:r>
+              <a:rPr kumimoji="1" lang="en-US" altLang="ko-KR" sz="2400" b="1" dirty="0">
+                <a:latin typeface="Menlo" panose="020B0609030804020204" pitchFamily="49" charset="0"/>
+              </a:rPr>
+              <a:t>…</a:t>
+            </a:r>
+            <a:endParaRPr kumimoji="1" lang="ko-Kore-KR" altLang="en-US" sz="3300" b="1" dirty="0"/>
+          </a:p>
+        </p:txBody>
+      </p:sp>
+      <p:pic>
+        <p:nvPicPr>
+          <p:cNvPr id="5" name="그림 4">
+            <a:extLst>
+              <a:ext uri="{FF2B5EF4-FFF2-40B4-BE49-F238E27FC236}">
+                <a16:creationId xmlns:a16="http://schemas.microsoft.com/office/drawing/2014/main" id="{B9C9BE85-EC1A-CDF3-6D5F-AB1B8DFD50D7}"/>
+              </a:ext>
+            </a:extLst>
+          </p:cNvPr>
+          <p:cNvPicPr>
+            <a:picLocks noChangeAspect="1"/>
+          </p:cNvPicPr>
+          <p:nvPr/>
+        </p:nvPicPr>
+        <p:blipFill>
+          <a:blip r:embed="rId4"/>
+          <a:stretch>
+            <a:fillRect/>
+          </a:stretch>
+        </p:blipFill>
+        <p:spPr>
+          <a:xfrm>
+            <a:off x="2209799" y="4861924"/>
+            <a:ext cx="7772400" cy="400639"/>
+          </a:xfrm>
+          <a:prstGeom prst="rect">
+            <a:avLst/>
+          </a:prstGeom>
+        </p:spPr>
+      </p:pic>
+    </p:spTree>
+    <p:extLst>
+      <p:ext uri="{BB962C8B-B14F-4D97-AF65-F5344CB8AC3E}">
+        <p14:creationId xmlns:p14="http://schemas.microsoft.com/office/powerpoint/2010/main" val="546879056"/>
+      </p:ext>
+    </p:extLst>
+  </p:cSld>
+  <p:clrMapOvr>
+    <a:masterClrMapping/>
+  </p:clrMapOvr>
+</p:sld>
+</file>
+
+<file path=ppt/slides/slide7.xml><?xml version="1.0" encoding="utf-8"?>
+<p:sld xmlns:a="http://schemas.openxmlformats.org/drawingml/2006/main" xmlns:r="http://schemas.openxmlformats.org/officeDocument/2006/relationships" xmlns:p="http://schemas.openxmlformats.org/presentationml/2006/main">
+  <p:cSld>
+    <p:spTree>
+      <p:nvGrpSpPr>
+        <p:cNvPr id="1" name=""/>
+        <p:cNvGrpSpPr/>
+        <p:nvPr/>
+      </p:nvGrpSpPr>
+      <p:grpSpPr>
+        <a:xfrm>
+          <a:off x="0" y="0"/>
+          <a:ext cx="0" cy="0"/>
+          <a:chOff x="0" y="0"/>
+          <a:chExt cx="0" cy="0"/>
+        </a:xfrm>
+      </p:grpSpPr>
+      <p:sp>
+        <p:nvSpPr>
+          <p:cNvPr id="2" name="제목 1">
+            <a:extLst>
+              <a:ext uri="{FF2B5EF4-FFF2-40B4-BE49-F238E27FC236}">
+                <a16:creationId xmlns:a16="http://schemas.microsoft.com/office/drawing/2014/main" id="{2230864C-5ACD-8BEA-926B-E925B0B5A4CF}"/>
+              </a:ext>
+            </a:extLst>
+          </p:cNvPr>
+          <p:cNvSpPr>
+            <a:spLocks noGrp="1"/>
+          </p:cNvSpPr>
+          <p:nvPr>
+            <p:ph type="title"/>
+          </p:nvPr>
+        </p:nvSpPr>
+        <p:spPr/>
+        <p:txBody>
+          <a:bodyPr/>
+          <a:lstStyle/>
+          <a:p>
+            <a:r>
+              <a:rPr kumimoji="1" lang="ko-KR" altLang="en-US" b="1" dirty="0"/>
+              <a:t>도파민 코드로 보는 </a:t>
+            </a:r>
+            <a:r>
+              <a:rPr kumimoji="1" lang="ko-KR" altLang="en-US" b="1" dirty="0" err="1"/>
+              <a:t>리엑트</a:t>
+            </a:r>
+            <a:r>
+              <a:rPr kumimoji="1" lang="ko-KR" altLang="en-US" b="1" dirty="0"/>
+              <a:t> 라우터</a:t>
+            </a:r>
+            <a:endParaRPr kumimoji="1" lang="ko-Kore-KR" altLang="en-US" b="1" dirty="0"/>
+          </a:p>
+        </p:txBody>
+      </p:sp>
+      <p:sp>
+        <p:nvSpPr>
+          <p:cNvPr id="3" name="내용 개체 틀 2">
+            <a:extLst>
+              <a:ext uri="{FF2B5EF4-FFF2-40B4-BE49-F238E27FC236}">
+                <a16:creationId xmlns:a16="http://schemas.microsoft.com/office/drawing/2014/main" id="{55E8939F-C5F2-51EC-3A96-CBC0E62D2F05}"/>
+              </a:ext>
+            </a:extLst>
+          </p:cNvPr>
+          <p:cNvSpPr>
+            <a:spLocks noGrp="1"/>
+          </p:cNvSpPr>
+          <p:nvPr>
+            <p:ph idx="1"/>
+          </p:nvPr>
+        </p:nvSpPr>
+        <p:spPr>
+          <a:xfrm>
+            <a:off x="838200" y="911225"/>
+            <a:ext cx="10515600" cy="4351338"/>
+          </a:xfrm>
+        </p:spPr>
+        <p:txBody>
+          <a:bodyPr/>
+          <a:lstStyle/>
+          <a:p>
+            <a:pPr marL="0" indent="0" algn="ctr">
+              <a:buNone/>
+            </a:pPr>
+            <a:endParaRPr kumimoji="1" lang="en" altLang="ko-Kore-KR" dirty="0">
+              <a:hlinkClick r:id="rId3"/>
+            </a:endParaRPr>
+          </a:p>
+          <a:p>
+            <a:pPr marL="0" indent="0" algn="ctr">
+              <a:buNone/>
+            </a:pPr>
+            <a:endParaRPr kumimoji="1" lang="en" altLang="ko-Kore-KR" dirty="0">
+              <a:hlinkClick r:id="rId3"/>
+            </a:endParaRPr>
+          </a:p>
+          <a:p>
+            <a:pPr marL="0" indent="0" algn="ctr">
+              <a:buNone/>
+            </a:pPr>
+            <a:endParaRPr kumimoji="1" lang="en" altLang="ko-Kore-KR" dirty="0">
+              <a:hlinkClick r:id="rId3"/>
+            </a:endParaRPr>
+          </a:p>
+        </p:txBody>
+      </p:sp>
+      <p:pic>
+        <p:nvPicPr>
+          <p:cNvPr id="7" name="그림 6" descr="텍스트, 스크린샷, 폰트이(가) 표시된 사진&#10;&#10;자동 생성된 설명">
+            <a:extLst>
+              <a:ext uri="{FF2B5EF4-FFF2-40B4-BE49-F238E27FC236}">
+                <a16:creationId xmlns:a16="http://schemas.microsoft.com/office/drawing/2014/main" id="{68BCDE15-2051-EC92-12FD-3ECD76BEFC2C}"/>
+              </a:ext>
+            </a:extLst>
+          </p:cNvPr>
+          <p:cNvPicPr>
+            <a:picLocks noChangeAspect="1"/>
+          </p:cNvPicPr>
+          <p:nvPr/>
+        </p:nvPicPr>
+        <p:blipFill>
+          <a:blip r:embed="rId4"/>
+          <a:stretch>
+            <a:fillRect/>
+          </a:stretch>
+        </p:blipFill>
+        <p:spPr>
+          <a:xfrm>
+            <a:off x="1311671" y="2086140"/>
+            <a:ext cx="9234636" cy="3488996"/>
+          </a:xfrm>
+          <a:prstGeom prst="rect">
+            <a:avLst/>
+          </a:prstGeom>
+        </p:spPr>
+      </p:pic>
+    </p:spTree>
+    <p:extLst>
+      <p:ext uri="{BB962C8B-B14F-4D97-AF65-F5344CB8AC3E}">
+        <p14:creationId xmlns:p14="http://schemas.microsoft.com/office/powerpoint/2010/main" val="2523688000"/>
+      </p:ext>
+    </p:extLst>
+  </p:cSld>
+  <p:clrMapOvr>
+    <a:masterClrMapping/>
+  </p:clrMapOvr>
+</p:sld>
+</file>
+
+<file path=ppt/slides/slide8.xml><?xml version="1.0" encoding="utf-8"?>
+<p:sld xmlns:a="http://schemas.openxmlformats.org/drawingml/2006/main" xmlns:r="http://schemas.openxmlformats.org/officeDocument/2006/relationships" xmlns:p="http://schemas.openxmlformats.org/presentationml/2006/main">
+  <p:cSld>
+    <p:spTree>
+      <p:nvGrpSpPr>
+        <p:cNvPr id="1" name=""/>
+        <p:cNvGrpSpPr/>
+        <p:nvPr/>
+      </p:nvGrpSpPr>
+      <p:grpSpPr>
+        <a:xfrm>
+          <a:off x="0" y="0"/>
+          <a:ext cx="0" cy="0"/>
+          <a:chOff x="0" y="0"/>
+          <a:chExt cx="0" cy="0"/>
+        </a:xfrm>
+      </p:grpSpPr>
+      <p:sp>
+        <p:nvSpPr>
+          <p:cNvPr id="3" name="내용 개체 틀 2">
+            <a:extLst>
+              <a:ext uri="{FF2B5EF4-FFF2-40B4-BE49-F238E27FC236}">
+                <a16:creationId xmlns:a16="http://schemas.microsoft.com/office/drawing/2014/main" id="{A8BD7ADC-010C-1736-087A-6341A449E12A}"/>
+              </a:ext>
+            </a:extLst>
+          </p:cNvPr>
+          <p:cNvSpPr>
+            <a:spLocks noGrp="1"/>
+          </p:cNvSpPr>
+          <p:nvPr>
+            <p:ph idx="1"/>
+          </p:nvPr>
+        </p:nvSpPr>
+        <p:spPr/>
+        <p:txBody>
+          <a:bodyPr/>
+          <a:lstStyle/>
+          <a:p>
+            <a:r>
+              <a:rPr kumimoji="1" lang="en-US" altLang="ko-Kore-KR" sz="2800" dirty="0"/>
+              <a:t>Path : </a:t>
+            </a:r>
+            <a:r>
+              <a:rPr kumimoji="1" lang="en-US" altLang="ko-Kore-KR" sz="2800" dirty="0" err="1"/>
+              <a:t>url</a:t>
+            </a:r>
+            <a:r>
+              <a:rPr kumimoji="1" lang="en-US" altLang="ko-Kore-KR" sz="2800" dirty="0"/>
+              <a:t> </a:t>
+            </a:r>
+            <a:r>
+              <a:rPr kumimoji="1" lang="ko-KR" altLang="en-US" sz="2800" dirty="0"/>
+              <a:t>주소 </a:t>
+            </a:r>
+            <a:br>
+              <a:rPr kumimoji="1" lang="en-US" altLang="ko-KR" dirty="0"/>
+            </a:br>
+            <a:br>
+              <a:rPr kumimoji="1" lang="en-US" altLang="ko-KR" dirty="0"/>
+            </a:br>
+            <a:r>
+              <a:rPr kumimoji="1" lang="ko-KR" altLang="en-US" sz="2800" dirty="0"/>
+              <a:t> </a:t>
+            </a:r>
+            <a:r>
+              <a:rPr kumimoji="1" lang="en-US" altLang="ko-KR" sz="2800" dirty="0"/>
+              <a:t>element : </a:t>
+            </a:r>
+            <a:r>
+              <a:rPr kumimoji="1" lang="ko-KR" altLang="en-US" sz="2800" dirty="0"/>
+              <a:t>어떤 </a:t>
+            </a:r>
+            <a:r>
+              <a:rPr kumimoji="1" lang="en-US" altLang="ko-KR" sz="2800" dirty="0"/>
+              <a:t>element</a:t>
+            </a:r>
+            <a:r>
+              <a:rPr kumimoji="1" lang="ko-KR" altLang="en-US" sz="2800" dirty="0" err="1"/>
+              <a:t>를</a:t>
+            </a:r>
+            <a:r>
+              <a:rPr kumimoji="1" lang="ko-KR" altLang="en-US" sz="2800" dirty="0"/>
+              <a:t> </a:t>
+            </a:r>
+            <a:r>
+              <a:rPr kumimoji="1" lang="ko-KR" altLang="en-US"/>
+              <a:t>불러올</a:t>
+            </a:r>
+            <a:r>
+              <a:rPr kumimoji="1" lang="ko-KR" altLang="en-US" sz="2800"/>
+              <a:t>건지</a:t>
+            </a:r>
+            <a:br>
+              <a:rPr kumimoji="1" lang="en-US" altLang="ko-KR" sz="2800" dirty="0"/>
+            </a:br>
+            <a:br>
+              <a:rPr kumimoji="1" lang="en-US" altLang="ko-KR" sz="2800" dirty="0"/>
+            </a:br>
+            <a:r>
+              <a:rPr kumimoji="1" lang="en-US" altLang="ko-KR" sz="2800" dirty="0"/>
+              <a:t> Router, Routes</a:t>
+            </a:r>
+            <a:r>
+              <a:rPr kumimoji="1" lang="ko-KR" altLang="en-US" sz="2800" dirty="0"/>
+              <a:t> </a:t>
+            </a:r>
+            <a:r>
+              <a:rPr kumimoji="1" lang="en-US" altLang="ko-KR" sz="2800" dirty="0"/>
+              <a:t>Route </a:t>
+            </a:r>
+            <a:r>
+              <a:rPr kumimoji="1" lang="ko-KR" altLang="en-US" sz="2800" dirty="0"/>
+              <a:t>쓸 때 감싸줘야 함</a:t>
+            </a:r>
+            <a:endParaRPr kumimoji="1" lang="ko-Kore-KR" altLang="en-US" sz="2800" dirty="0"/>
+          </a:p>
+        </p:txBody>
+      </p:sp>
+      <p:sp>
+        <p:nvSpPr>
+          <p:cNvPr id="4" name="제목 1">
+            <a:extLst>
+              <a:ext uri="{FF2B5EF4-FFF2-40B4-BE49-F238E27FC236}">
+                <a16:creationId xmlns:a16="http://schemas.microsoft.com/office/drawing/2014/main" id="{4213D6BC-058F-F954-DC47-0D1D0DC45410}"/>
+              </a:ext>
+            </a:extLst>
+          </p:cNvPr>
+          <p:cNvSpPr>
+            <a:spLocks noGrp="1"/>
+          </p:cNvSpPr>
+          <p:nvPr>
+            <p:ph type="title"/>
+          </p:nvPr>
+        </p:nvSpPr>
+        <p:spPr/>
+        <p:txBody>
+          <a:bodyPr/>
+          <a:lstStyle/>
+          <a:p>
+            <a:r>
+              <a:rPr kumimoji="1" lang="ko-KR" altLang="en-US" b="1" dirty="0"/>
+              <a:t>도파민 코드로 보는 </a:t>
+            </a:r>
+            <a:r>
+              <a:rPr kumimoji="1" lang="ko-KR" altLang="en-US" b="1" dirty="0" err="1"/>
+              <a:t>리엑트</a:t>
+            </a:r>
+            <a:r>
+              <a:rPr kumimoji="1" lang="ko-KR" altLang="en-US" b="1" dirty="0"/>
+              <a:t> 라우터</a:t>
+            </a:r>
+            <a:endParaRPr kumimoji="1" lang="ko-Kore-KR" altLang="en-US" b="1" dirty="0"/>
+          </a:p>
+        </p:txBody>
+      </p:sp>
+    </p:spTree>
+    <p:extLst>
+      <p:ext uri="{BB962C8B-B14F-4D97-AF65-F5344CB8AC3E}">
+        <p14:creationId xmlns:p14="http://schemas.microsoft.com/office/powerpoint/2010/main" val="2479957123"/>
+      </p:ext>
+    </p:extLst>
+  </p:cSld>
+  <p:clrMapOvr>
+    <a:masterClrMapping/>
+  </p:clrMapOvr>
+</p:sld>
+</file>
+
+<file path=ppt/slides/slide9.xml><?xml version="1.0" encoding="utf-8"?>
+<p:sld xmlns:a="http://schemas.openxmlformats.org/drawingml/2006/main" xmlns:r="http://schemas.openxmlformats.org/officeDocument/2006/relationships" xmlns:p="http://schemas.openxmlformats.org/presentationml/2006/main">
+  <p:cSld>
+    <p:spTree>
+      <p:nvGrpSpPr>
+        <p:cNvPr id="1" name=""/>
+        <p:cNvGrpSpPr/>
+        <p:nvPr/>
+      </p:nvGrpSpPr>
+      <p:grpSpPr>
+        <a:xfrm>
+          <a:off x="0" y="0"/>
+          <a:ext cx="0" cy="0"/>
+          <a:chOff x="0" y="0"/>
+          <a:chExt cx="0" cy="0"/>
+        </a:xfrm>
+      </p:grpSpPr>
+      <p:sp>
+        <p:nvSpPr>
+          <p:cNvPr id="2" name="제목 1">
+            <a:extLst>
+              <a:ext uri="{FF2B5EF4-FFF2-40B4-BE49-F238E27FC236}">
+                <a16:creationId xmlns:a16="http://schemas.microsoft.com/office/drawing/2014/main" id="{2230864C-5ACD-8BEA-926B-E925B0B5A4CF}"/>
+              </a:ext>
+            </a:extLst>
+          </p:cNvPr>
+          <p:cNvSpPr>
+            <a:spLocks noGrp="1"/>
+          </p:cNvSpPr>
+          <p:nvPr>
+            <p:ph type="title"/>
+          </p:nvPr>
+        </p:nvSpPr>
+        <p:spPr/>
+        <p:txBody>
+          <a:bodyPr/>
+          <a:lstStyle/>
+          <a:p>
+            <a:r>
+              <a:rPr kumimoji="1" lang="ko-KR" altLang="en-US" b="1" dirty="0"/>
+              <a:t>전체 코드</a:t>
+            </a:r>
+            <a:endParaRPr kumimoji="1" lang="ko-Kore-KR" altLang="en-US" b="1" dirty="0"/>
+          </a:p>
+        </p:txBody>
+      </p:sp>
+      <p:sp>
+        <p:nvSpPr>
+          <p:cNvPr id="3" name="내용 개체 틀 2">
+            <a:extLst>
+              <a:ext uri="{FF2B5EF4-FFF2-40B4-BE49-F238E27FC236}">
+                <a16:creationId xmlns:a16="http://schemas.microsoft.com/office/drawing/2014/main" id="{55E8939F-C5F2-51EC-3A96-CBC0E62D2F05}"/>
+              </a:ext>
+            </a:extLst>
+          </p:cNvPr>
+          <p:cNvSpPr>
+            <a:spLocks noGrp="1"/>
+          </p:cNvSpPr>
+          <p:nvPr>
+            <p:ph idx="1"/>
+          </p:nvPr>
+        </p:nvSpPr>
+        <p:spPr>
+          <a:xfrm>
+            <a:off x="838200" y="911225"/>
+            <a:ext cx="10515600" cy="4351338"/>
+          </a:xfrm>
+        </p:spPr>
+        <p:txBody>
+          <a:bodyPr/>
+          <a:lstStyle/>
+          <a:p>
+            <a:pPr marL="0" indent="0" algn="ctr">
+              <a:buNone/>
+            </a:pPr>
+            <a:endParaRPr kumimoji="1" lang="en" altLang="ko-Kore-KR" dirty="0">
+              <a:hlinkClick r:id="rId3"/>
+            </a:endParaRPr>
+          </a:p>
+          <a:p>
+            <a:pPr marL="0" indent="0" algn="ctr">
+              <a:buNone/>
+            </a:pPr>
+            <a:endParaRPr kumimoji="1" lang="en" altLang="ko-Kore-KR" dirty="0">
+              <a:hlinkClick r:id="rId3"/>
+            </a:endParaRPr>
+          </a:p>
+          <a:p>
+            <a:pPr marL="0" indent="0" algn="ctr">
+              <a:buNone/>
+            </a:pPr>
+            <a:endParaRPr kumimoji="1" lang="en" altLang="ko-Kore-KR" dirty="0">
+              <a:hlinkClick r:id="rId3"/>
+            </a:endParaRPr>
+          </a:p>
+        </p:txBody>
+      </p:sp>
+      <p:pic>
+        <p:nvPicPr>
+          <p:cNvPr id="5" name="그림 4" descr="텍스트, 스크린샷, 소프트웨어, 멀티미디어 소프트웨어이(가) 표시된 사진&#10;&#10;자동 생성된 설명">
+            <a:extLst>
+              <a:ext uri="{FF2B5EF4-FFF2-40B4-BE49-F238E27FC236}">
+                <a16:creationId xmlns:a16="http://schemas.microsoft.com/office/drawing/2014/main" id="{245A2CCF-7FFB-A8EB-8C1A-CD2FF80A4FF1}"/>
+              </a:ext>
+            </a:extLst>
+          </p:cNvPr>
+          <p:cNvPicPr>
+            <a:picLocks noChangeAspect="1"/>
+          </p:cNvPicPr>
+          <p:nvPr/>
+        </p:nvPicPr>
+        <p:blipFill>
+          <a:blip r:embed="rId4"/>
+          <a:stretch>
+            <a:fillRect/>
+          </a:stretch>
+        </p:blipFill>
+        <p:spPr>
+          <a:xfrm>
+            <a:off x="2026570" y="2095238"/>
+            <a:ext cx="7772400" cy="4065798"/>
+          </a:xfrm>
+          <a:prstGeom prst="rect">
+            <a:avLst/>
+          </a:prstGeom>
+        </p:spPr>
+      </p:pic>
+    </p:spTree>
+    <p:extLst>
+      <p:ext uri="{BB962C8B-B14F-4D97-AF65-F5344CB8AC3E}">
+        <p14:creationId xmlns:p14="http://schemas.microsoft.com/office/powerpoint/2010/main" val="2772862819"/>
       </p:ext>
     </p:extLst>
   </p:cSld>
@@ -4233,4 +7339,299 @@
     </a:ext>
   </a:extLst>
 </a:theme>
+</file>
+
+<file path=ppt/theme/theme2.xml><?xml version="1.0" encoding="utf-8"?>
+<a:theme xmlns:a="http://schemas.openxmlformats.org/drawingml/2006/main" name="Office 테마">
+  <a:themeElements>
+    <a:clrScheme name="Office">
+      <a:dk1>
+        <a:sysClr val="windowText" lastClr="000000"/>
+      </a:dk1>
+      <a:lt1>
+        <a:sysClr val="window" lastClr="FFFFFF"/>
+      </a:lt1>
+      <a:dk2>
+        <a:srgbClr val="44546A"/>
+      </a:dk2>
+      <a:lt2>
+        <a:srgbClr val="E7E6E6"/>
+      </a:lt2>
+      <a:accent1>
+        <a:srgbClr val="4472C4"/>
+      </a:accent1>
+      <a:accent2>
+        <a:srgbClr val="ED7D31"/>
+      </a:accent2>
+      <a:accent3>
+        <a:srgbClr val="A5A5A5"/>
+      </a:accent3>
+      <a:accent4>
+        <a:srgbClr val="FFC000"/>
+      </a:accent4>
+      <a:accent5>
+        <a:srgbClr val="5B9BD5"/>
+      </a:accent5>
+      <a:accent6>
+        <a:srgbClr val="70AD47"/>
+      </a:accent6>
+      <a:hlink>
+        <a:srgbClr val="0563C1"/>
+      </a:hlink>
+      <a:folHlink>
+        <a:srgbClr val="954F72"/>
+      </a:folHlink>
+    </a:clrScheme>
+    <a:fontScheme name="Office">
+      <a:majorFont>
+        <a:latin typeface="Calibri Light" panose="020F0302020204030204"/>
+        <a:ea typeface=""/>
+        <a:cs typeface=""/>
+        <a:font script="Jpan" typeface="游ゴシック Light"/>
+        <a:font script="Hang" typeface="맑은 고딕"/>
+        <a:font script="Hans" typeface="等线 Light"/>
+        <a:font script="Hant" typeface="新細明體"/>
+        <a:font script="Arab" typeface="Times New Roman"/>
+        <a:font script="Hebr" typeface="Times New Roman"/>
+        <a:font script="Thai" typeface="Angsana New"/>
+        <a:font script="Ethi" typeface="Nyala"/>
+        <a:font script="Beng" typeface="Vrinda"/>
+        <a:font script="Gujr" typeface="Shruti"/>
+        <a:font script="Khmr" typeface="MoolBoran"/>
+        <a:font script="Knda" typeface="Tunga"/>
+        <a:font script="Guru" typeface="Raavi"/>
+        <a:font script="Cans" typeface="Euphemia"/>
+        <a:font script="Cher" typeface="Plantagenet Cherokee"/>
+        <a:font script="Yiii" typeface="Microsoft Yi Baiti"/>
+        <a:font script="Tibt" typeface="Microsoft Himalaya"/>
+        <a:font script="Thaa" typeface="MV Boli"/>
+        <a:font script="Deva" typeface="Mangal"/>
+        <a:font script="Telu" typeface="Gautami"/>
+        <a:font script="Taml" typeface="Latha"/>
+        <a:font script="Syrc" typeface="Estrangelo Edessa"/>
+        <a:font script="Orya" typeface="Kalinga"/>
+        <a:font script="Mlym" typeface="Kartika"/>
+        <a:font script="Laoo" typeface="DokChampa"/>
+        <a:font script="Sinh" typeface="Iskoola Pota"/>
+        <a:font script="Mong" typeface="Mongolian Baiti"/>
+        <a:font script="Viet" typeface="Times New Roman"/>
+        <a:font script="Uigh" typeface="Microsoft Uighur"/>
+        <a:font script="Geor" typeface="Sylfaen"/>
+        <a:font script="Armn" typeface="Arial"/>
+        <a:font script="Bugi" typeface="Leelawadee UI"/>
+        <a:font script="Bopo" typeface="Microsoft JhengHei"/>
+        <a:font script="Java" typeface="Javanese Text"/>
+        <a:font script="Lisu" typeface="Segoe UI"/>
+        <a:font script="Mymr" typeface="Myanmar Text"/>
+        <a:font script="Nkoo" typeface="Ebrima"/>
+        <a:font script="Olck" typeface="Nirmala UI"/>
+        <a:font script="Osma" typeface="Ebrima"/>
+        <a:font script="Phag" typeface="Phagspa"/>
+        <a:font script="Syrn" typeface="Estrangelo Edessa"/>
+        <a:font script="Syrj" typeface="Estrangelo Edessa"/>
+        <a:font script="Syre" typeface="Estrangelo Edessa"/>
+        <a:font script="Sora" typeface="Nirmala UI"/>
+        <a:font script="Tale" typeface="Microsoft Tai Le"/>
+        <a:font script="Talu" typeface="Microsoft New Tai Lue"/>
+        <a:font script="Tfng" typeface="Ebrima"/>
+      </a:majorFont>
+      <a:minorFont>
+        <a:latin typeface="Calibri" panose="020F0502020204030204"/>
+        <a:ea typeface=""/>
+        <a:cs typeface=""/>
+        <a:font script="Jpan" typeface="游ゴシック"/>
+        <a:font script="Hang" typeface="맑은 고딕"/>
+        <a:font script="Hans" typeface="等线"/>
+        <a:font script="Hant" typeface="新細明體"/>
+        <a:font script="Arab" typeface="Arial"/>
+        <a:font script="Hebr" typeface="Arial"/>
+        <a:font script="Thai" typeface="Cordia New"/>
+        <a:font script="Ethi" typeface="Nyala"/>
+        <a:font script="Beng" typeface="Vrinda"/>
+        <a:font script="Gujr" typeface="Shruti"/>
+        <a:font script="Khmr" typeface="DaunPenh"/>
+        <a:font script="Knda" typeface="Tunga"/>
+        <a:font script="Guru" typeface="Raavi"/>
+        <a:font script="Cans" typeface="Euphemia"/>
+        <a:font script="Cher" typeface="Plantagenet Cherokee"/>
+        <a:font script="Yiii" typeface="Microsoft Yi Baiti"/>
+        <a:font script="Tibt" typeface="Microsoft Himalaya"/>
+        <a:font script="Thaa" typeface="MV Boli"/>
+        <a:font script="Deva" typeface="Mangal"/>
+        <a:font script="Telu" typeface="Gautami"/>
+        <a:font script="Taml" typeface="Latha"/>
+        <a:font script="Syrc" typeface="Estrangelo Edessa"/>
+        <a:font script="Orya" typeface="Kalinga"/>
+        <a:font script="Mlym" typeface="Kartika"/>
+        <a:font script="Laoo" typeface="DokChampa"/>
+        <a:font script="Sinh" typeface="Iskoola Pota"/>
+        <a:font script="Mong" typeface="Mongolian Baiti"/>
+        <a:font script="Viet" typeface="Arial"/>
+        <a:font script="Uigh" typeface="Microsoft Uighur"/>
+        <a:font script="Geor" typeface="Sylfaen"/>
+        <a:font script="Armn" typeface="Arial"/>
+        <a:font script="Bugi" typeface="Leelawadee UI"/>
+        <a:font script="Bopo" typeface="Microsoft JhengHei"/>
+        <a:font script="Java" typeface="Javanese Text"/>
+        <a:font script="Lisu" typeface="Segoe UI"/>
+        <a:font script="Mymr" typeface="Myanmar Text"/>
+        <a:font script="Nkoo" typeface="Ebrima"/>
+        <a:font script="Olck" typeface="Nirmala UI"/>
+        <a:font script="Osma" typeface="Ebrima"/>
+        <a:font script="Phag" typeface="Phagspa"/>
+        <a:font script="Syrn" typeface="Estrangelo Edessa"/>
+        <a:font script="Syrj" typeface="Estrangelo Edessa"/>
+        <a:font script="Syre" typeface="Estrangelo Edessa"/>
+        <a:font script="Sora" typeface="Nirmala UI"/>
+        <a:font script="Tale" typeface="Microsoft Tai Le"/>
+        <a:font script="Talu" typeface="Microsoft New Tai Lue"/>
+        <a:font script="Tfng" typeface="Ebrima"/>
+      </a:minorFont>
+    </a:fontScheme>
+    <a:fmtScheme name="Office">
+      <a:fillStyleLst>
+        <a:solidFill>
+          <a:schemeClr val="phClr"/>
+        </a:solidFill>
+        <a:gradFill rotWithShape="1">
+          <a:gsLst>
+            <a:gs pos="0">
+              <a:schemeClr val="phClr">
+                <a:lumMod val="110000"/>
+                <a:satMod val="105000"/>
+                <a:tint val="67000"/>
+              </a:schemeClr>
+            </a:gs>
+            <a:gs pos="50000">
+              <a:schemeClr val="phClr">
+                <a:lumMod val="105000"/>
+                <a:satMod val="103000"/>
+                <a:tint val="73000"/>
+              </a:schemeClr>
+            </a:gs>
+            <a:gs pos="100000">
+              <a:schemeClr val="phClr">
+                <a:lumMod val="105000"/>
+                <a:satMod val="109000"/>
+                <a:tint val="81000"/>
+              </a:schemeClr>
+            </a:gs>
+          </a:gsLst>
+          <a:lin ang="5400000" scaled="0"/>
+        </a:gradFill>
+        <a:gradFill rotWithShape="1">
+          <a:gsLst>
+            <a:gs pos="0">
+              <a:schemeClr val="phClr">
+                <a:satMod val="103000"/>
+                <a:lumMod val="102000"/>
+                <a:tint val="94000"/>
+              </a:schemeClr>
+            </a:gs>
+            <a:gs pos="50000">
+              <a:schemeClr val="phClr">
+                <a:satMod val="110000"/>
+                <a:lumMod val="100000"/>
+                <a:shade val="100000"/>
+              </a:schemeClr>
+            </a:gs>
+            <a:gs pos="100000">
+              <a:schemeClr val="phClr">
+                <a:lumMod val="99000"/>
+                <a:satMod val="120000"/>
+                <a:shade val="78000"/>
+              </a:schemeClr>
+            </a:gs>
+          </a:gsLst>
+          <a:lin ang="5400000" scaled="0"/>
+        </a:gradFill>
+      </a:fillStyleLst>
+      <a:lnStyleLst>
+        <a:ln w="6350" cap="flat" cmpd="sng" algn="ctr">
+          <a:solidFill>
+            <a:schemeClr val="phClr"/>
+          </a:solidFill>
+          <a:prstDash val="solid"/>
+          <a:miter lim="800000"/>
+        </a:ln>
+        <a:ln w="12700" cap="flat" cmpd="sng" algn="ctr">
+          <a:solidFill>
+            <a:schemeClr val="phClr"/>
+          </a:solidFill>
+          <a:prstDash val="solid"/>
+          <a:miter lim="800000"/>
+        </a:ln>
+        <a:ln w="19050" cap="flat" cmpd="sng" algn="ctr">
+          <a:solidFill>
+            <a:schemeClr val="phClr"/>
+          </a:solidFill>
+          <a:prstDash val="solid"/>
+          <a:miter lim="800000"/>
+        </a:ln>
+      </a:lnStyleLst>
+      <a:effectStyleLst>
+        <a:effectStyle>
+          <a:effectLst/>
+        </a:effectStyle>
+        <a:effectStyle>
+          <a:effectLst/>
+        </a:effectStyle>
+        <a:effectStyle>
+          <a:effectLst>
+            <a:outerShdw blurRad="57150" dist="19050" dir="5400000" algn="ctr" rotWithShape="0">
+              <a:srgbClr val="000000">
+                <a:alpha val="63000"/>
+              </a:srgbClr>
+            </a:outerShdw>
+          </a:effectLst>
+        </a:effectStyle>
+      </a:effectStyleLst>
+      <a:bgFillStyleLst>
+        <a:solidFill>
+          <a:schemeClr val="phClr"/>
+        </a:solidFill>
+        <a:solidFill>
+          <a:schemeClr val="phClr">
+            <a:tint val="95000"/>
+            <a:satMod val="170000"/>
+          </a:schemeClr>
+        </a:solidFill>
+        <a:gradFill rotWithShape="1">
+          <a:gsLst>
+            <a:gs pos="0">
+              <a:schemeClr val="phClr">
+                <a:tint val="93000"/>
+                <a:satMod val="150000"/>
+                <a:shade val="98000"/>
+                <a:lumMod val="102000"/>
+              </a:schemeClr>
+            </a:gs>
+            <a:gs pos="50000">
+              <a:schemeClr val="phClr">
+                <a:tint val="98000"/>
+                <a:satMod val="130000"/>
+                <a:shade val="90000"/>
+                <a:lumMod val="103000"/>
+              </a:schemeClr>
+            </a:gs>
+            <a:gs pos="100000">
+              <a:schemeClr val="phClr">
+                <a:shade val="63000"/>
+                <a:satMod val="120000"/>
+              </a:schemeClr>
+            </a:gs>
+          </a:gsLst>
+          <a:lin ang="5400000" scaled="0"/>
+        </a:gradFill>
+      </a:bgFillStyleLst>
+    </a:fmtScheme>
+  </a:themeElements>
+  <a:objectDefaults/>
+  <a:extraClrSchemeLst/>
+  <a:extLst>
+    <a:ext uri="{05A4C25C-085E-4340-85A3-A5531E510DB2}">
+      <thm15:themeFamily xmlns:thm15="http://schemas.microsoft.com/office/thememl/2012/main" name="Office Theme" id="{62F939B6-93AF-4DB8-9C6B-D6C7DFDC589F}" vid="{4A3C46E8-61CC-4603-A589-7422A47A8E4A}"/>
+    </a:ext>
+  </a:extLst>
+</a:theme>
 </file>